--- a/基础PPT/Java教学线路图.pptx
+++ b/基础PPT/Java教学线路图.pptx
@@ -5,12 +5,13 @@
     <p:sldMasterId id="2147483648" r:id="rId1"/>
   </p:sldMasterIdLst>
   <p:notesMasterIdLst>
-    <p:notesMasterId r:id="rId6"/>
+    <p:notesMasterId r:id="rId7"/>
   </p:notesMasterIdLst>
   <p:sldIdLst>
     <p:sldId id="660" r:id="rId3"/>
     <p:sldId id="689" r:id="rId4"/>
-    <p:sldId id="662" r:id="rId5"/>
+    <p:sldId id="691" r:id="rId5"/>
+    <p:sldId id="662" r:id="rId6"/>
   </p:sldIdLst>
   <p:sldSz cx="12192000" cy="6858000"/>
   <p:notesSz cx="6858000" cy="9144000"/>
@@ -6355,6 +6356,3578 @@
         <p:nvPr/>
       </p:nvGrpSpPr>
       <p:grpSpPr/>
+      <p:sp>
+        <p:nvSpPr>
+          <p:cNvPr id="2" name="矩形 1"/>
+          <p:cNvSpPr/>
+          <p:nvPr/>
+        </p:nvSpPr>
+        <p:spPr>
+          <a:xfrm>
+            <a:off x="1988185" y="736600"/>
+            <a:ext cx="956945" cy="364490"/>
+          </a:xfrm>
+          <a:prstGeom prst="rect">
+            <a:avLst/>
+          </a:prstGeom>
+          <a:noFill/>
+          <a:ln w="28575">
+            <a:solidFill>
+              <a:srgbClr val="55D9FF"/>
+            </a:solidFill>
+          </a:ln>
+          <a:extLst>
+            <a:ext uri="{909E8E84-426E-40DD-AFC4-6F175D3DCCD1}">
+              <a14:hiddenFill xmlns:a14="http://schemas.microsoft.com/office/drawing/2010/main">
+                <a:solidFill>
+                  <a:schemeClr val="accent1"/>
+                </a:solidFill>
+              </a14:hiddenFill>
+            </a:ext>
+          </a:extLst>
+        </p:spPr>
+        <p:style>
+          <a:lnRef idx="2">
+            <a:schemeClr val="accent1">
+              <a:shade val="50000"/>
+            </a:schemeClr>
+          </a:lnRef>
+          <a:fillRef idx="1">
+            <a:schemeClr val="accent1"/>
+          </a:fillRef>
+          <a:effectRef idx="0">
+            <a:schemeClr val="accent1"/>
+          </a:effectRef>
+          <a:fontRef idx="minor">
+            <a:schemeClr val="lt1"/>
+          </a:fontRef>
+        </p:style>
+        <p:txBody>
+          <a:bodyPr rtlCol="0" anchor="ctr"/>
+          <a:p>
+            <a:pPr algn="ctr"/>
+            <a:r>
+              <a:rPr lang="en-US" altLang="zh-CN" sz="1400" b="1">
+                <a:solidFill>
+                  <a:srgbClr val="00B050"/>
+                </a:solidFill>
+                <a:latin typeface="宋体" panose="02010600030101010101" pitchFamily="2" charset="-122"/>
+                <a:ea typeface="宋体" panose="02010600030101010101" pitchFamily="2" charset="-122"/>
+                <a:cs typeface="宋体" panose="02010600030101010101" pitchFamily="2" charset="-122"/>
+              </a:rPr>
+              <a:t>Java</a:t>
+            </a:r>
+            <a:r>
+              <a:rPr lang="zh-CN" altLang="en-US" sz="1400" b="1">
+                <a:solidFill>
+                  <a:srgbClr val="00B050"/>
+                </a:solidFill>
+                <a:latin typeface="宋体" panose="02010600030101010101" pitchFamily="2" charset="-122"/>
+                <a:ea typeface="宋体" panose="02010600030101010101" pitchFamily="2" charset="-122"/>
+                <a:cs typeface="宋体" panose="02010600030101010101" pitchFamily="2" charset="-122"/>
+              </a:rPr>
+              <a:t>基础</a:t>
+            </a:r>
+            <a:endParaRPr lang="zh-CN" altLang="en-US" sz="1400" b="1">
+              <a:solidFill>
+                <a:srgbClr val="00B050"/>
+              </a:solidFill>
+              <a:latin typeface="宋体" panose="02010600030101010101" pitchFamily="2" charset="-122"/>
+              <a:ea typeface="宋体" panose="02010600030101010101" pitchFamily="2" charset="-122"/>
+              <a:cs typeface="宋体" panose="02010600030101010101" pitchFamily="2" charset="-122"/>
+            </a:endParaRPr>
+          </a:p>
+        </p:txBody>
+      </p:sp>
+      <p:cxnSp>
+        <p:nvCxnSpPr>
+          <p:cNvPr id="3" name="直接连接符 2"/>
+          <p:cNvCxnSpPr/>
+          <p:nvPr/>
+        </p:nvCxnSpPr>
+        <p:spPr>
+          <a:xfrm>
+            <a:off x="1550670" y="819150"/>
+            <a:ext cx="8890" cy="5828665"/>
+          </a:xfrm>
+          <a:prstGeom prst="line">
+            <a:avLst/>
+          </a:prstGeom>
+          <a:ln w="19050">
+            <a:prstDash val="dash"/>
+          </a:ln>
+        </p:spPr>
+        <p:style>
+          <a:lnRef idx="1">
+            <a:schemeClr val="accent1"/>
+          </a:lnRef>
+          <a:fillRef idx="0">
+            <a:schemeClr val="accent1"/>
+          </a:fillRef>
+          <a:effectRef idx="0">
+            <a:schemeClr val="accent1"/>
+          </a:effectRef>
+          <a:fontRef idx="minor">
+            <a:schemeClr val="tx1"/>
+          </a:fontRef>
+        </p:style>
+      </p:cxnSp>
+      <p:sp>
+        <p:nvSpPr>
+          <p:cNvPr id="4" name="文本框 3"/>
+          <p:cNvSpPr txBox="1"/>
+          <p:nvPr/>
+        </p:nvSpPr>
+        <p:spPr>
+          <a:xfrm>
+            <a:off x="503555" y="1122045"/>
+            <a:ext cx="746760" cy="368300"/>
+          </a:xfrm>
+          <a:prstGeom prst="rect">
+            <a:avLst/>
+          </a:prstGeom>
+          <a:noFill/>
+        </p:spPr>
+        <p:txBody>
+          <a:bodyPr wrap="square" rtlCol="0">
+            <a:spAutoFit/>
+          </a:bodyPr>
+          <a:p>
+            <a:r>
+              <a:rPr lang="en-US" altLang="zh-CN" b="1">
+                <a:solidFill>
+                  <a:srgbClr val="FF0000"/>
+                </a:solidFill>
+              </a:rPr>
+              <a:t>J2SE</a:t>
+            </a:r>
+            <a:endParaRPr lang="zh-CN" altLang="en-US" b="1">
+              <a:solidFill>
+                <a:srgbClr val="FF0000"/>
+              </a:solidFill>
+            </a:endParaRPr>
+          </a:p>
+        </p:txBody>
+      </p:sp>
+      <p:sp>
+        <p:nvSpPr>
+          <p:cNvPr id="5" name="文本框 4"/>
+          <p:cNvSpPr txBox="1"/>
+          <p:nvPr/>
+        </p:nvSpPr>
+        <p:spPr>
+          <a:xfrm>
+            <a:off x="503555" y="3043555"/>
+            <a:ext cx="746760" cy="368300"/>
+          </a:xfrm>
+          <a:prstGeom prst="rect">
+            <a:avLst/>
+          </a:prstGeom>
+          <a:noFill/>
+        </p:spPr>
+        <p:txBody>
+          <a:bodyPr wrap="square" rtlCol="0">
+            <a:spAutoFit/>
+          </a:bodyPr>
+          <a:p>
+            <a:r>
+              <a:rPr lang="en-US" altLang="zh-CN" b="1">
+                <a:solidFill>
+                  <a:srgbClr val="FF0000"/>
+                </a:solidFill>
+              </a:rPr>
+              <a:t>J2E</a:t>
+            </a:r>
+            <a:r>
+              <a:rPr lang="en-US" altLang="zh-CN" b="1">
+                <a:solidFill>
+                  <a:srgbClr val="FF0000"/>
+                </a:solidFill>
+              </a:rPr>
+              <a:t>E</a:t>
+            </a:r>
+            <a:endParaRPr lang="en-US" altLang="zh-CN" b="1">
+              <a:solidFill>
+                <a:srgbClr val="FF0000"/>
+              </a:solidFill>
+            </a:endParaRPr>
+          </a:p>
+        </p:txBody>
+      </p:sp>
+      <p:sp>
+        <p:nvSpPr>
+          <p:cNvPr id="6" name="文本框 5"/>
+          <p:cNvSpPr txBox="1"/>
+          <p:nvPr/>
+        </p:nvSpPr>
+        <p:spPr>
+          <a:xfrm>
+            <a:off x="503555" y="4937760"/>
+            <a:ext cx="746760" cy="368300"/>
+          </a:xfrm>
+          <a:prstGeom prst="rect">
+            <a:avLst/>
+          </a:prstGeom>
+          <a:noFill/>
+        </p:spPr>
+        <p:txBody>
+          <a:bodyPr wrap="square" rtlCol="0">
+            <a:spAutoFit/>
+          </a:bodyPr>
+          <a:p>
+            <a:r>
+              <a:rPr lang="zh-CN" altLang="en-US" b="1">
+                <a:solidFill>
+                  <a:srgbClr val="FF0000"/>
+                </a:solidFill>
+              </a:rPr>
+              <a:t>进阶</a:t>
+            </a:r>
+            <a:endParaRPr lang="zh-CN" altLang="en-US" b="1">
+              <a:solidFill>
+                <a:srgbClr val="FF0000"/>
+              </a:solidFill>
+            </a:endParaRPr>
+          </a:p>
+        </p:txBody>
+      </p:sp>
+      <p:sp>
+        <p:nvSpPr>
+          <p:cNvPr id="8" name="矩形 7"/>
+          <p:cNvSpPr/>
+          <p:nvPr/>
+        </p:nvSpPr>
+        <p:spPr>
+          <a:xfrm>
+            <a:off x="3279775" y="736600"/>
+            <a:ext cx="956945" cy="364490"/>
+          </a:xfrm>
+          <a:prstGeom prst="rect">
+            <a:avLst/>
+          </a:prstGeom>
+          <a:noFill/>
+          <a:ln w="28575">
+            <a:solidFill>
+              <a:srgbClr val="55D9FF"/>
+            </a:solidFill>
+          </a:ln>
+          <a:extLst>
+            <a:ext uri="{909E8E84-426E-40DD-AFC4-6F175D3DCCD1}">
+              <a14:hiddenFill xmlns:a14="http://schemas.microsoft.com/office/drawing/2010/main">
+                <a:solidFill>
+                  <a:schemeClr val="accent1"/>
+                </a:solidFill>
+              </a14:hiddenFill>
+            </a:ext>
+          </a:extLst>
+        </p:spPr>
+        <p:style>
+          <a:lnRef idx="2">
+            <a:schemeClr val="accent1">
+              <a:shade val="50000"/>
+            </a:schemeClr>
+          </a:lnRef>
+          <a:fillRef idx="1">
+            <a:schemeClr val="accent1"/>
+          </a:fillRef>
+          <a:effectRef idx="0">
+            <a:schemeClr val="accent1"/>
+          </a:effectRef>
+          <a:fontRef idx="minor">
+            <a:schemeClr val="lt1"/>
+          </a:fontRef>
+        </p:style>
+        <p:txBody>
+          <a:bodyPr rtlCol="0" anchor="ctr"/>
+          <a:p>
+            <a:pPr algn="ctr"/>
+            <a:r>
+              <a:rPr lang="zh-CN" altLang="en-US" sz="1400" b="1">
+                <a:solidFill>
+                  <a:srgbClr val="00B050"/>
+                </a:solidFill>
+                <a:latin typeface="宋体" panose="02010600030101010101" pitchFamily="2" charset="-122"/>
+                <a:ea typeface="宋体" panose="02010600030101010101" pitchFamily="2" charset="-122"/>
+                <a:cs typeface="宋体" panose="02010600030101010101" pitchFamily="2" charset="-122"/>
+              </a:rPr>
+              <a:t>面向对象</a:t>
+            </a:r>
+            <a:endParaRPr lang="zh-CN" altLang="en-US" sz="1400" b="1">
+              <a:solidFill>
+                <a:srgbClr val="00B050"/>
+              </a:solidFill>
+              <a:latin typeface="宋体" panose="02010600030101010101" pitchFamily="2" charset="-122"/>
+              <a:ea typeface="宋体" panose="02010600030101010101" pitchFamily="2" charset="-122"/>
+              <a:cs typeface="宋体" panose="02010600030101010101" pitchFamily="2" charset="-122"/>
+            </a:endParaRPr>
+          </a:p>
+        </p:txBody>
+      </p:sp>
+      <p:sp>
+        <p:nvSpPr>
+          <p:cNvPr id="10" name="矩形 9"/>
+          <p:cNvSpPr/>
+          <p:nvPr/>
+        </p:nvSpPr>
+        <p:spPr>
+          <a:xfrm>
+            <a:off x="4569460" y="736600"/>
+            <a:ext cx="956945" cy="364490"/>
+          </a:xfrm>
+          <a:prstGeom prst="rect">
+            <a:avLst/>
+          </a:prstGeom>
+          <a:noFill/>
+          <a:ln w="28575">
+            <a:solidFill>
+              <a:srgbClr val="55D9FF"/>
+            </a:solidFill>
+          </a:ln>
+          <a:extLst>
+            <a:ext uri="{909E8E84-426E-40DD-AFC4-6F175D3DCCD1}">
+              <a14:hiddenFill xmlns:a14="http://schemas.microsoft.com/office/drawing/2010/main">
+                <a:solidFill>
+                  <a:schemeClr val="accent1"/>
+                </a:solidFill>
+              </a14:hiddenFill>
+            </a:ext>
+          </a:extLst>
+        </p:spPr>
+        <p:style>
+          <a:lnRef idx="2">
+            <a:schemeClr val="accent1">
+              <a:shade val="50000"/>
+            </a:schemeClr>
+          </a:lnRef>
+          <a:fillRef idx="1">
+            <a:schemeClr val="accent1"/>
+          </a:fillRef>
+          <a:effectRef idx="0">
+            <a:schemeClr val="accent1"/>
+          </a:effectRef>
+          <a:fontRef idx="minor">
+            <a:schemeClr val="lt1"/>
+          </a:fontRef>
+        </p:style>
+        <p:txBody>
+          <a:bodyPr rtlCol="0" anchor="ctr"/>
+          <a:p>
+            <a:pPr algn="ctr"/>
+            <a:r>
+              <a:rPr lang="zh-CN" altLang="en-US" sz="1400" b="1">
+                <a:solidFill>
+                  <a:srgbClr val="00B050"/>
+                </a:solidFill>
+                <a:latin typeface="宋体" panose="02010600030101010101" pitchFamily="2" charset="-122"/>
+                <a:ea typeface="宋体" panose="02010600030101010101" pitchFamily="2" charset="-122"/>
+                <a:cs typeface="宋体" panose="02010600030101010101" pitchFamily="2" charset="-122"/>
+              </a:rPr>
+              <a:t>数组</a:t>
+            </a:r>
+            <a:endParaRPr lang="zh-CN" altLang="en-US" sz="1400" b="1">
+              <a:solidFill>
+                <a:srgbClr val="00B050"/>
+              </a:solidFill>
+              <a:latin typeface="宋体" panose="02010600030101010101" pitchFamily="2" charset="-122"/>
+              <a:ea typeface="宋体" panose="02010600030101010101" pitchFamily="2" charset="-122"/>
+              <a:cs typeface="宋体" panose="02010600030101010101" pitchFamily="2" charset="-122"/>
+            </a:endParaRPr>
+          </a:p>
+        </p:txBody>
+      </p:sp>
+      <p:sp>
+        <p:nvSpPr>
+          <p:cNvPr id="11" name="矩形 10"/>
+          <p:cNvSpPr/>
+          <p:nvPr/>
+        </p:nvSpPr>
+        <p:spPr>
+          <a:xfrm>
+            <a:off x="5846445" y="736600"/>
+            <a:ext cx="956945" cy="364490"/>
+          </a:xfrm>
+          <a:prstGeom prst="rect">
+            <a:avLst/>
+          </a:prstGeom>
+          <a:noFill/>
+          <a:ln w="28575">
+            <a:solidFill>
+              <a:srgbClr val="55D9FF"/>
+            </a:solidFill>
+          </a:ln>
+          <a:extLst>
+            <a:ext uri="{909E8E84-426E-40DD-AFC4-6F175D3DCCD1}">
+              <a14:hiddenFill xmlns:a14="http://schemas.microsoft.com/office/drawing/2010/main">
+                <a:solidFill>
+                  <a:schemeClr val="accent1"/>
+                </a:solidFill>
+              </a14:hiddenFill>
+            </a:ext>
+          </a:extLst>
+        </p:spPr>
+        <p:style>
+          <a:lnRef idx="2">
+            <a:schemeClr val="accent1">
+              <a:shade val="50000"/>
+            </a:schemeClr>
+          </a:lnRef>
+          <a:fillRef idx="1">
+            <a:schemeClr val="accent1"/>
+          </a:fillRef>
+          <a:effectRef idx="0">
+            <a:schemeClr val="accent1"/>
+          </a:effectRef>
+          <a:fontRef idx="minor">
+            <a:schemeClr val="lt1"/>
+          </a:fontRef>
+        </p:style>
+        <p:txBody>
+          <a:bodyPr rtlCol="0" anchor="ctr"/>
+          <a:p>
+            <a:pPr algn="ctr"/>
+            <a:r>
+              <a:rPr lang="zh-CN" altLang="en-US" sz="1400" b="1">
+                <a:solidFill>
+                  <a:srgbClr val="00B050"/>
+                </a:solidFill>
+                <a:latin typeface="宋体" panose="02010600030101010101" pitchFamily="2" charset="-122"/>
+                <a:ea typeface="宋体" panose="02010600030101010101" pitchFamily="2" charset="-122"/>
+                <a:cs typeface="宋体" panose="02010600030101010101" pitchFamily="2" charset="-122"/>
+              </a:rPr>
+              <a:t>字符串</a:t>
+            </a:r>
+            <a:endParaRPr lang="zh-CN" altLang="en-US" sz="1400" b="1">
+              <a:solidFill>
+                <a:srgbClr val="00B050"/>
+              </a:solidFill>
+              <a:latin typeface="宋体" panose="02010600030101010101" pitchFamily="2" charset="-122"/>
+              <a:ea typeface="宋体" panose="02010600030101010101" pitchFamily="2" charset="-122"/>
+              <a:cs typeface="宋体" panose="02010600030101010101" pitchFamily="2" charset="-122"/>
+            </a:endParaRPr>
+          </a:p>
+        </p:txBody>
+      </p:sp>
+      <p:sp>
+        <p:nvSpPr>
+          <p:cNvPr id="18" name="矩形 17"/>
+          <p:cNvSpPr/>
+          <p:nvPr/>
+        </p:nvSpPr>
+        <p:spPr>
+          <a:xfrm>
+            <a:off x="7135495" y="736600"/>
+            <a:ext cx="956945" cy="364490"/>
+          </a:xfrm>
+          <a:prstGeom prst="rect">
+            <a:avLst/>
+          </a:prstGeom>
+          <a:noFill/>
+          <a:ln w="28575">
+            <a:solidFill>
+              <a:srgbClr val="55D9FF"/>
+            </a:solidFill>
+          </a:ln>
+          <a:extLst>
+            <a:ext uri="{909E8E84-426E-40DD-AFC4-6F175D3DCCD1}">
+              <a14:hiddenFill xmlns:a14="http://schemas.microsoft.com/office/drawing/2010/main">
+                <a:solidFill>
+                  <a:schemeClr val="accent1"/>
+                </a:solidFill>
+              </a14:hiddenFill>
+            </a:ext>
+          </a:extLst>
+        </p:spPr>
+        <p:style>
+          <a:lnRef idx="2">
+            <a:schemeClr val="accent1">
+              <a:shade val="50000"/>
+            </a:schemeClr>
+          </a:lnRef>
+          <a:fillRef idx="1">
+            <a:schemeClr val="accent1"/>
+          </a:fillRef>
+          <a:effectRef idx="0">
+            <a:schemeClr val="accent1"/>
+          </a:effectRef>
+          <a:fontRef idx="minor">
+            <a:schemeClr val="lt1"/>
+          </a:fontRef>
+        </p:style>
+        <p:txBody>
+          <a:bodyPr rtlCol="0" anchor="ctr"/>
+          <a:p>
+            <a:pPr algn="ctr"/>
+            <a:r>
+              <a:rPr lang="zh-CN" altLang="en-US" sz="1400" b="1">
+                <a:solidFill>
+                  <a:srgbClr val="00B050"/>
+                </a:solidFill>
+                <a:latin typeface="宋体" panose="02010600030101010101" pitchFamily="2" charset="-122"/>
+                <a:ea typeface="宋体" panose="02010600030101010101" pitchFamily="2" charset="-122"/>
+                <a:cs typeface="宋体" panose="02010600030101010101" pitchFamily="2" charset="-122"/>
+              </a:rPr>
+              <a:t>日期处理</a:t>
+            </a:r>
+            <a:endParaRPr lang="zh-CN" altLang="en-US" sz="1400" b="1">
+              <a:solidFill>
+                <a:srgbClr val="00B050"/>
+              </a:solidFill>
+              <a:latin typeface="宋体" panose="02010600030101010101" pitchFamily="2" charset="-122"/>
+              <a:ea typeface="宋体" panose="02010600030101010101" pitchFamily="2" charset="-122"/>
+              <a:cs typeface="宋体" panose="02010600030101010101" pitchFamily="2" charset="-122"/>
+            </a:endParaRPr>
+          </a:p>
+        </p:txBody>
+      </p:sp>
+      <p:sp>
+        <p:nvSpPr>
+          <p:cNvPr id="19" name="矩形 18"/>
+          <p:cNvSpPr/>
+          <p:nvPr/>
+        </p:nvSpPr>
+        <p:spPr>
+          <a:xfrm>
+            <a:off x="9686290" y="1369695"/>
+            <a:ext cx="956945" cy="364490"/>
+          </a:xfrm>
+          <a:prstGeom prst="rect">
+            <a:avLst/>
+          </a:prstGeom>
+          <a:noFill/>
+          <a:ln w="28575">
+            <a:solidFill>
+              <a:srgbClr val="55D9FF"/>
+            </a:solidFill>
+          </a:ln>
+          <a:extLst>
+            <a:ext uri="{909E8E84-426E-40DD-AFC4-6F175D3DCCD1}">
+              <a14:hiddenFill xmlns:a14="http://schemas.microsoft.com/office/drawing/2010/main">
+                <a:solidFill>
+                  <a:schemeClr val="accent1"/>
+                </a:solidFill>
+              </a14:hiddenFill>
+            </a:ext>
+          </a:extLst>
+        </p:spPr>
+        <p:style>
+          <a:lnRef idx="2">
+            <a:schemeClr val="accent1">
+              <a:shade val="50000"/>
+            </a:schemeClr>
+          </a:lnRef>
+          <a:fillRef idx="1">
+            <a:schemeClr val="accent1"/>
+          </a:fillRef>
+          <a:effectRef idx="0">
+            <a:schemeClr val="accent1"/>
+          </a:effectRef>
+          <a:fontRef idx="minor">
+            <a:schemeClr val="lt1"/>
+          </a:fontRef>
+        </p:style>
+        <p:txBody>
+          <a:bodyPr rtlCol="0" anchor="ctr"/>
+          <a:p>
+            <a:pPr algn="ctr"/>
+            <a:r>
+              <a:rPr lang="zh-CN" altLang="en-US" sz="1400" b="1">
+                <a:solidFill>
+                  <a:srgbClr val="00B050"/>
+                </a:solidFill>
+                <a:latin typeface="宋体" panose="02010600030101010101" pitchFamily="2" charset="-122"/>
+                <a:ea typeface="宋体" panose="02010600030101010101" pitchFamily="2" charset="-122"/>
+                <a:cs typeface="宋体" panose="02010600030101010101" pitchFamily="2" charset="-122"/>
+              </a:rPr>
+              <a:t>注解</a:t>
+            </a:r>
+            <a:endParaRPr lang="zh-CN" altLang="en-US" sz="1400" b="1">
+              <a:solidFill>
+                <a:srgbClr val="00B050"/>
+              </a:solidFill>
+              <a:latin typeface="宋体" panose="02010600030101010101" pitchFamily="2" charset="-122"/>
+              <a:ea typeface="宋体" panose="02010600030101010101" pitchFamily="2" charset="-122"/>
+              <a:cs typeface="宋体" panose="02010600030101010101" pitchFamily="2" charset="-122"/>
+            </a:endParaRPr>
+          </a:p>
+        </p:txBody>
+      </p:sp>
+      <p:sp>
+        <p:nvSpPr>
+          <p:cNvPr id="32" name="矩形 31"/>
+          <p:cNvSpPr/>
+          <p:nvPr/>
+        </p:nvSpPr>
+        <p:spPr>
+          <a:xfrm>
+            <a:off x="1988185" y="1369695"/>
+            <a:ext cx="956945" cy="364490"/>
+          </a:xfrm>
+          <a:prstGeom prst="rect">
+            <a:avLst/>
+          </a:prstGeom>
+          <a:noFill/>
+          <a:ln w="28575">
+            <a:solidFill>
+              <a:srgbClr val="55D9FF"/>
+            </a:solidFill>
+          </a:ln>
+          <a:extLst>
+            <a:ext uri="{909E8E84-426E-40DD-AFC4-6F175D3DCCD1}">
+              <a14:hiddenFill xmlns:a14="http://schemas.microsoft.com/office/drawing/2010/main">
+                <a:solidFill>
+                  <a:schemeClr val="accent1"/>
+                </a:solidFill>
+              </a14:hiddenFill>
+            </a:ext>
+          </a:extLst>
+        </p:spPr>
+        <p:style>
+          <a:lnRef idx="2">
+            <a:schemeClr val="accent1">
+              <a:shade val="50000"/>
+            </a:schemeClr>
+          </a:lnRef>
+          <a:fillRef idx="1">
+            <a:schemeClr val="accent1"/>
+          </a:fillRef>
+          <a:effectRef idx="0">
+            <a:schemeClr val="accent1"/>
+          </a:effectRef>
+          <a:fontRef idx="minor">
+            <a:schemeClr val="lt1"/>
+          </a:fontRef>
+        </p:style>
+        <p:txBody>
+          <a:bodyPr rtlCol="0" anchor="ctr"/>
+          <a:p>
+            <a:pPr algn="ctr"/>
+            <a:r>
+              <a:rPr lang="en-US" altLang="zh-CN" sz="1400" b="1">
+                <a:solidFill>
+                  <a:srgbClr val="00B050"/>
+                </a:solidFill>
+                <a:latin typeface="宋体" panose="02010600030101010101" pitchFamily="2" charset="-122"/>
+                <a:ea typeface="宋体" panose="02010600030101010101" pitchFamily="2" charset="-122"/>
+                <a:cs typeface="宋体" panose="02010600030101010101" pitchFamily="2" charset="-122"/>
+              </a:rPr>
+              <a:t>IO </a:t>
+            </a:r>
+            <a:r>
+              <a:rPr lang="zh-CN" altLang="en-US" sz="1400" b="1">
+                <a:solidFill>
+                  <a:srgbClr val="00B050"/>
+                </a:solidFill>
+                <a:latin typeface="宋体" panose="02010600030101010101" pitchFamily="2" charset="-122"/>
+                <a:ea typeface="宋体" panose="02010600030101010101" pitchFamily="2" charset="-122"/>
+                <a:cs typeface="宋体" panose="02010600030101010101" pitchFamily="2" charset="-122"/>
+              </a:rPr>
+              <a:t>流</a:t>
+            </a:r>
+            <a:endParaRPr lang="zh-CN" altLang="en-US" sz="1400" b="1">
+              <a:solidFill>
+                <a:srgbClr val="00B050"/>
+              </a:solidFill>
+              <a:latin typeface="宋体" panose="02010600030101010101" pitchFamily="2" charset="-122"/>
+              <a:ea typeface="宋体" panose="02010600030101010101" pitchFamily="2" charset="-122"/>
+              <a:cs typeface="宋体" panose="02010600030101010101" pitchFamily="2" charset="-122"/>
+            </a:endParaRPr>
+          </a:p>
+        </p:txBody>
+      </p:sp>
+      <p:sp>
+        <p:nvSpPr>
+          <p:cNvPr id="33" name="矩形 32"/>
+          <p:cNvSpPr/>
+          <p:nvPr/>
+        </p:nvSpPr>
+        <p:spPr>
+          <a:xfrm>
+            <a:off x="3279775" y="1991360"/>
+            <a:ext cx="956945" cy="364490"/>
+          </a:xfrm>
+          <a:prstGeom prst="rect">
+            <a:avLst/>
+          </a:prstGeom>
+          <a:noFill/>
+          <a:ln w="28575">
+            <a:solidFill>
+              <a:srgbClr val="55D9FF"/>
+            </a:solidFill>
+          </a:ln>
+          <a:extLst>
+            <a:ext uri="{909E8E84-426E-40DD-AFC4-6F175D3DCCD1}">
+              <a14:hiddenFill xmlns:a14="http://schemas.microsoft.com/office/drawing/2010/main">
+                <a:solidFill>
+                  <a:schemeClr val="accent1"/>
+                </a:solidFill>
+              </a14:hiddenFill>
+            </a:ext>
+          </a:extLst>
+        </p:spPr>
+        <p:style>
+          <a:lnRef idx="2">
+            <a:schemeClr val="accent1">
+              <a:shade val="50000"/>
+            </a:schemeClr>
+          </a:lnRef>
+          <a:fillRef idx="1">
+            <a:schemeClr val="accent1"/>
+          </a:fillRef>
+          <a:effectRef idx="0">
+            <a:schemeClr val="accent1"/>
+          </a:effectRef>
+          <a:fontRef idx="minor">
+            <a:schemeClr val="lt1"/>
+          </a:fontRef>
+        </p:style>
+        <p:txBody>
+          <a:bodyPr rtlCol="0" anchor="ctr"/>
+          <a:p>
+            <a:pPr algn="ctr"/>
+            <a:r>
+              <a:rPr lang="en-US" altLang="zh-CN" sz="1400" b="1">
+                <a:solidFill>
+                  <a:srgbClr val="00B050"/>
+                </a:solidFill>
+                <a:latin typeface="宋体" panose="02010600030101010101" pitchFamily="2" charset="-122"/>
+                <a:ea typeface="宋体" panose="02010600030101010101" pitchFamily="2" charset="-122"/>
+                <a:cs typeface="宋体" panose="02010600030101010101" pitchFamily="2" charset="-122"/>
+              </a:rPr>
+              <a:t>XML</a:t>
+            </a:r>
+            <a:r>
+              <a:rPr lang="zh-CN" altLang="en-US" sz="1400" b="1">
+                <a:solidFill>
+                  <a:srgbClr val="00B050"/>
+                </a:solidFill>
+                <a:latin typeface="宋体" panose="02010600030101010101" pitchFamily="2" charset="-122"/>
+                <a:ea typeface="宋体" panose="02010600030101010101" pitchFamily="2" charset="-122"/>
+                <a:cs typeface="宋体" panose="02010600030101010101" pitchFamily="2" charset="-122"/>
+              </a:rPr>
+              <a:t>简介</a:t>
+            </a:r>
+            <a:endParaRPr lang="zh-CN" altLang="en-US" sz="1400" b="1">
+              <a:solidFill>
+                <a:srgbClr val="00B050"/>
+              </a:solidFill>
+              <a:latin typeface="宋体" panose="02010600030101010101" pitchFamily="2" charset="-122"/>
+              <a:ea typeface="宋体" panose="02010600030101010101" pitchFamily="2" charset="-122"/>
+              <a:cs typeface="宋体" panose="02010600030101010101" pitchFamily="2" charset="-122"/>
+            </a:endParaRPr>
+          </a:p>
+        </p:txBody>
+      </p:sp>
+      <p:sp>
+        <p:nvSpPr>
+          <p:cNvPr id="34" name="矩形 33"/>
+          <p:cNvSpPr/>
+          <p:nvPr/>
+        </p:nvSpPr>
+        <p:spPr>
+          <a:xfrm>
+            <a:off x="4569460" y="1369695"/>
+            <a:ext cx="956945" cy="364490"/>
+          </a:xfrm>
+          <a:prstGeom prst="rect">
+            <a:avLst/>
+          </a:prstGeom>
+          <a:noFill/>
+          <a:ln w="28575">
+            <a:solidFill>
+              <a:srgbClr val="55D9FF"/>
+            </a:solidFill>
+          </a:ln>
+          <a:extLst>
+            <a:ext uri="{909E8E84-426E-40DD-AFC4-6F175D3DCCD1}">
+              <a14:hiddenFill xmlns:a14="http://schemas.microsoft.com/office/drawing/2010/main">
+                <a:solidFill>
+                  <a:schemeClr val="accent1"/>
+                </a:solidFill>
+              </a14:hiddenFill>
+            </a:ext>
+          </a:extLst>
+        </p:spPr>
+        <p:style>
+          <a:lnRef idx="2">
+            <a:schemeClr val="accent1">
+              <a:shade val="50000"/>
+            </a:schemeClr>
+          </a:lnRef>
+          <a:fillRef idx="1">
+            <a:schemeClr val="accent1"/>
+          </a:fillRef>
+          <a:effectRef idx="0">
+            <a:schemeClr val="accent1"/>
+          </a:effectRef>
+          <a:fontRef idx="minor">
+            <a:schemeClr val="lt1"/>
+          </a:fontRef>
+        </p:style>
+        <p:txBody>
+          <a:bodyPr rtlCol="0" anchor="ctr"/>
+          <a:p>
+            <a:pPr algn="ctr"/>
+            <a:r>
+              <a:rPr lang="zh-CN" altLang="en-US" sz="1400" b="1">
+                <a:solidFill>
+                  <a:srgbClr val="00B050"/>
+                </a:solidFill>
+                <a:latin typeface="宋体" panose="02010600030101010101" pitchFamily="2" charset="-122"/>
+                <a:ea typeface="宋体" panose="02010600030101010101" pitchFamily="2" charset="-122"/>
+                <a:cs typeface="宋体" panose="02010600030101010101" pitchFamily="2" charset="-122"/>
+              </a:rPr>
+              <a:t>高并发</a:t>
+            </a:r>
+            <a:endParaRPr lang="zh-CN" altLang="en-US" sz="1400" b="1">
+              <a:solidFill>
+                <a:srgbClr val="00B050"/>
+              </a:solidFill>
+              <a:latin typeface="宋体" panose="02010600030101010101" pitchFamily="2" charset="-122"/>
+              <a:ea typeface="宋体" panose="02010600030101010101" pitchFamily="2" charset="-122"/>
+              <a:cs typeface="宋体" panose="02010600030101010101" pitchFamily="2" charset="-122"/>
+            </a:endParaRPr>
+          </a:p>
+        </p:txBody>
+      </p:sp>
+      <p:sp>
+        <p:nvSpPr>
+          <p:cNvPr id="35" name="矩形 34"/>
+          <p:cNvSpPr/>
+          <p:nvPr/>
+        </p:nvSpPr>
+        <p:spPr>
+          <a:xfrm>
+            <a:off x="3279775" y="1369695"/>
+            <a:ext cx="956945" cy="364490"/>
+          </a:xfrm>
+          <a:prstGeom prst="rect">
+            <a:avLst/>
+          </a:prstGeom>
+          <a:noFill/>
+          <a:ln w="28575">
+            <a:solidFill>
+              <a:srgbClr val="55D9FF"/>
+            </a:solidFill>
+          </a:ln>
+          <a:extLst>
+            <a:ext uri="{909E8E84-426E-40DD-AFC4-6F175D3DCCD1}">
+              <a14:hiddenFill xmlns:a14="http://schemas.microsoft.com/office/drawing/2010/main">
+                <a:solidFill>
+                  <a:schemeClr val="accent1"/>
+                </a:solidFill>
+              </a14:hiddenFill>
+            </a:ext>
+          </a:extLst>
+        </p:spPr>
+        <p:style>
+          <a:lnRef idx="2">
+            <a:schemeClr val="accent1">
+              <a:shade val="50000"/>
+            </a:schemeClr>
+          </a:lnRef>
+          <a:fillRef idx="1">
+            <a:schemeClr val="accent1"/>
+          </a:fillRef>
+          <a:effectRef idx="0">
+            <a:schemeClr val="accent1"/>
+          </a:effectRef>
+          <a:fontRef idx="minor">
+            <a:schemeClr val="lt1"/>
+          </a:fontRef>
+        </p:style>
+        <p:txBody>
+          <a:bodyPr rtlCol="0" anchor="ctr"/>
+          <a:p>
+            <a:pPr algn="ctr"/>
+            <a:r>
+              <a:rPr lang="zh-CN" altLang="en-US" sz="1400" b="1">
+                <a:solidFill>
+                  <a:srgbClr val="00B050"/>
+                </a:solidFill>
+                <a:latin typeface="宋体" panose="02010600030101010101" pitchFamily="2" charset="-122"/>
+                <a:ea typeface="宋体" panose="02010600030101010101" pitchFamily="2" charset="-122"/>
+                <a:cs typeface="宋体" panose="02010600030101010101" pitchFamily="2" charset="-122"/>
+              </a:rPr>
+              <a:t>反射</a:t>
+            </a:r>
+            <a:endParaRPr lang="zh-CN" altLang="en-US" sz="1400" b="1">
+              <a:solidFill>
+                <a:srgbClr val="00B050"/>
+              </a:solidFill>
+              <a:latin typeface="宋体" panose="02010600030101010101" pitchFamily="2" charset="-122"/>
+              <a:ea typeface="宋体" panose="02010600030101010101" pitchFamily="2" charset="-122"/>
+              <a:cs typeface="宋体" panose="02010600030101010101" pitchFamily="2" charset="-122"/>
+            </a:endParaRPr>
+          </a:p>
+        </p:txBody>
+      </p:sp>
+      <p:sp>
+        <p:nvSpPr>
+          <p:cNvPr id="36" name="矩形 35"/>
+          <p:cNvSpPr/>
+          <p:nvPr/>
+        </p:nvSpPr>
+        <p:spPr>
+          <a:xfrm>
+            <a:off x="5846445" y="1369695"/>
+            <a:ext cx="956945" cy="364490"/>
+          </a:xfrm>
+          <a:prstGeom prst="rect">
+            <a:avLst/>
+          </a:prstGeom>
+          <a:noFill/>
+          <a:ln w="28575">
+            <a:solidFill>
+              <a:srgbClr val="55D9FF"/>
+            </a:solidFill>
+          </a:ln>
+          <a:extLst>
+            <a:ext uri="{909E8E84-426E-40DD-AFC4-6F175D3DCCD1}">
+              <a14:hiddenFill xmlns:a14="http://schemas.microsoft.com/office/drawing/2010/main">
+                <a:solidFill>
+                  <a:schemeClr val="accent1"/>
+                </a:solidFill>
+              </a14:hiddenFill>
+            </a:ext>
+          </a:extLst>
+        </p:spPr>
+        <p:style>
+          <a:lnRef idx="2">
+            <a:schemeClr val="accent1">
+              <a:shade val="50000"/>
+            </a:schemeClr>
+          </a:lnRef>
+          <a:fillRef idx="1">
+            <a:schemeClr val="accent1"/>
+          </a:fillRef>
+          <a:effectRef idx="0">
+            <a:schemeClr val="accent1"/>
+          </a:effectRef>
+          <a:fontRef idx="minor">
+            <a:schemeClr val="lt1"/>
+          </a:fontRef>
+        </p:style>
+        <p:txBody>
+          <a:bodyPr rtlCol="0" anchor="ctr"/>
+          <a:p>
+            <a:pPr algn="ctr"/>
+            <a:r>
+              <a:rPr lang="zh-CN" altLang="en-US" sz="1400" b="1">
+                <a:solidFill>
+                  <a:srgbClr val="00B050"/>
+                </a:solidFill>
+                <a:latin typeface="宋体" panose="02010600030101010101" pitchFamily="2" charset="-122"/>
+                <a:ea typeface="宋体" panose="02010600030101010101" pitchFamily="2" charset="-122"/>
+                <a:cs typeface="宋体" panose="02010600030101010101" pitchFamily="2" charset="-122"/>
+              </a:rPr>
+              <a:t>泛型</a:t>
+            </a:r>
+            <a:endParaRPr lang="zh-CN" altLang="en-US" sz="1400" b="1">
+              <a:solidFill>
+                <a:srgbClr val="00B050"/>
+              </a:solidFill>
+              <a:latin typeface="宋体" panose="02010600030101010101" pitchFamily="2" charset="-122"/>
+              <a:ea typeface="宋体" panose="02010600030101010101" pitchFamily="2" charset="-122"/>
+              <a:cs typeface="宋体" panose="02010600030101010101" pitchFamily="2" charset="-122"/>
+            </a:endParaRPr>
+          </a:p>
+        </p:txBody>
+      </p:sp>
+      <p:sp>
+        <p:nvSpPr>
+          <p:cNvPr id="37" name="矩形 36"/>
+          <p:cNvSpPr/>
+          <p:nvPr/>
+        </p:nvSpPr>
+        <p:spPr>
+          <a:xfrm>
+            <a:off x="9686290" y="736600"/>
+            <a:ext cx="956945" cy="364490"/>
+          </a:xfrm>
+          <a:prstGeom prst="rect">
+            <a:avLst/>
+          </a:prstGeom>
+          <a:noFill/>
+          <a:ln w="28575">
+            <a:solidFill>
+              <a:srgbClr val="55D9FF"/>
+            </a:solidFill>
+          </a:ln>
+          <a:extLst>
+            <a:ext uri="{909E8E84-426E-40DD-AFC4-6F175D3DCCD1}">
+              <a14:hiddenFill xmlns:a14="http://schemas.microsoft.com/office/drawing/2010/main">
+                <a:solidFill>
+                  <a:schemeClr val="accent1"/>
+                </a:solidFill>
+              </a14:hiddenFill>
+            </a:ext>
+          </a:extLst>
+        </p:spPr>
+        <p:style>
+          <a:lnRef idx="2">
+            <a:schemeClr val="accent1">
+              <a:shade val="50000"/>
+            </a:schemeClr>
+          </a:lnRef>
+          <a:fillRef idx="1">
+            <a:schemeClr val="accent1"/>
+          </a:fillRef>
+          <a:effectRef idx="0">
+            <a:schemeClr val="accent1"/>
+          </a:effectRef>
+          <a:fontRef idx="minor">
+            <a:schemeClr val="lt1"/>
+          </a:fontRef>
+        </p:style>
+        <p:txBody>
+          <a:bodyPr rtlCol="0" anchor="ctr"/>
+          <a:p>
+            <a:pPr algn="ctr"/>
+            <a:r>
+              <a:rPr lang="zh-CN" altLang="en-US" sz="1400" b="1">
+                <a:solidFill>
+                  <a:srgbClr val="00B050"/>
+                </a:solidFill>
+                <a:latin typeface="宋体" panose="02010600030101010101" pitchFamily="2" charset="-122"/>
+                <a:ea typeface="宋体" panose="02010600030101010101" pitchFamily="2" charset="-122"/>
+                <a:cs typeface="宋体" panose="02010600030101010101" pitchFamily="2" charset="-122"/>
+              </a:rPr>
+              <a:t>集合</a:t>
+            </a:r>
+            <a:endParaRPr lang="zh-CN" altLang="en-US" sz="1400" b="1">
+              <a:solidFill>
+                <a:srgbClr val="00B050"/>
+              </a:solidFill>
+              <a:latin typeface="宋体" panose="02010600030101010101" pitchFamily="2" charset="-122"/>
+              <a:ea typeface="宋体" panose="02010600030101010101" pitchFamily="2" charset="-122"/>
+              <a:cs typeface="宋体" panose="02010600030101010101" pitchFamily="2" charset="-122"/>
+            </a:endParaRPr>
+          </a:p>
+        </p:txBody>
+      </p:sp>
+      <p:sp>
+        <p:nvSpPr>
+          <p:cNvPr id="38" name="矩形 37"/>
+          <p:cNvSpPr/>
+          <p:nvPr/>
+        </p:nvSpPr>
+        <p:spPr>
+          <a:xfrm>
+            <a:off x="8422640" y="1369695"/>
+            <a:ext cx="956945" cy="364490"/>
+          </a:xfrm>
+          <a:prstGeom prst="rect">
+            <a:avLst/>
+          </a:prstGeom>
+          <a:noFill/>
+          <a:ln w="28575">
+            <a:solidFill>
+              <a:srgbClr val="55D9FF"/>
+            </a:solidFill>
+          </a:ln>
+          <a:extLst>
+            <a:ext uri="{909E8E84-426E-40DD-AFC4-6F175D3DCCD1}">
+              <a14:hiddenFill xmlns:a14="http://schemas.microsoft.com/office/drawing/2010/main">
+                <a:solidFill>
+                  <a:schemeClr val="accent1"/>
+                </a:solidFill>
+              </a14:hiddenFill>
+            </a:ext>
+          </a:extLst>
+        </p:spPr>
+        <p:style>
+          <a:lnRef idx="2">
+            <a:schemeClr val="accent1">
+              <a:shade val="50000"/>
+            </a:schemeClr>
+          </a:lnRef>
+          <a:fillRef idx="1">
+            <a:schemeClr val="accent1"/>
+          </a:fillRef>
+          <a:effectRef idx="0">
+            <a:schemeClr val="accent1"/>
+          </a:effectRef>
+          <a:fontRef idx="minor">
+            <a:schemeClr val="lt1"/>
+          </a:fontRef>
+        </p:style>
+        <p:txBody>
+          <a:bodyPr rtlCol="0" anchor="ctr"/>
+          <a:p>
+            <a:pPr algn="ctr"/>
+            <a:r>
+              <a:rPr lang="zh-CN" altLang="en-US" sz="1400" b="1">
+                <a:solidFill>
+                  <a:srgbClr val="00B050"/>
+                </a:solidFill>
+                <a:latin typeface="宋体" panose="02010600030101010101" pitchFamily="2" charset="-122"/>
+                <a:ea typeface="宋体" panose="02010600030101010101" pitchFamily="2" charset="-122"/>
+                <a:cs typeface="宋体" panose="02010600030101010101" pitchFamily="2" charset="-122"/>
+              </a:rPr>
+              <a:t>枚举</a:t>
+            </a:r>
+            <a:endParaRPr lang="zh-CN" altLang="en-US" sz="1400" b="1">
+              <a:solidFill>
+                <a:srgbClr val="00B050"/>
+              </a:solidFill>
+              <a:latin typeface="宋体" panose="02010600030101010101" pitchFamily="2" charset="-122"/>
+              <a:ea typeface="宋体" panose="02010600030101010101" pitchFamily="2" charset="-122"/>
+              <a:cs typeface="宋体" panose="02010600030101010101" pitchFamily="2" charset="-122"/>
+            </a:endParaRPr>
+          </a:p>
+        </p:txBody>
+      </p:sp>
+      <p:sp>
+        <p:nvSpPr>
+          <p:cNvPr id="39" name="矩形 38"/>
+          <p:cNvSpPr/>
+          <p:nvPr/>
+        </p:nvSpPr>
+        <p:spPr>
+          <a:xfrm>
+            <a:off x="1988185" y="1991360"/>
+            <a:ext cx="956945" cy="364490"/>
+          </a:xfrm>
+          <a:prstGeom prst="rect">
+            <a:avLst/>
+          </a:prstGeom>
+          <a:noFill/>
+          <a:ln w="28575">
+            <a:solidFill>
+              <a:srgbClr val="55D9FF"/>
+            </a:solidFill>
+          </a:ln>
+          <a:extLst>
+            <a:ext uri="{909E8E84-426E-40DD-AFC4-6F175D3DCCD1}">
+              <a14:hiddenFill xmlns:a14="http://schemas.microsoft.com/office/drawing/2010/main">
+                <a:solidFill>
+                  <a:schemeClr val="accent1"/>
+                </a:solidFill>
+              </a14:hiddenFill>
+            </a:ext>
+          </a:extLst>
+        </p:spPr>
+        <p:style>
+          <a:lnRef idx="2">
+            <a:schemeClr val="accent1">
+              <a:shade val="50000"/>
+            </a:schemeClr>
+          </a:lnRef>
+          <a:fillRef idx="1">
+            <a:schemeClr val="accent1"/>
+          </a:fillRef>
+          <a:effectRef idx="0">
+            <a:schemeClr val="accent1"/>
+          </a:effectRef>
+          <a:fontRef idx="minor">
+            <a:schemeClr val="lt1"/>
+          </a:fontRef>
+        </p:style>
+        <p:txBody>
+          <a:bodyPr rtlCol="0" anchor="ctr"/>
+          <a:p>
+            <a:pPr algn="ctr"/>
+            <a:r>
+              <a:rPr lang="zh-CN" altLang="en-US" sz="1400" b="1">
+                <a:solidFill>
+                  <a:srgbClr val="00B050"/>
+                </a:solidFill>
+                <a:latin typeface="宋体" panose="02010600030101010101" pitchFamily="2" charset="-122"/>
+                <a:ea typeface="宋体" panose="02010600030101010101" pitchFamily="2" charset="-122"/>
+                <a:cs typeface="宋体" panose="02010600030101010101" pitchFamily="2" charset="-122"/>
+              </a:rPr>
+              <a:t>网络编程</a:t>
+            </a:r>
+            <a:endParaRPr lang="zh-CN" altLang="en-US" sz="1400" b="1">
+              <a:solidFill>
+                <a:srgbClr val="00B050"/>
+              </a:solidFill>
+              <a:latin typeface="宋体" panose="02010600030101010101" pitchFamily="2" charset="-122"/>
+              <a:ea typeface="宋体" panose="02010600030101010101" pitchFamily="2" charset="-122"/>
+              <a:cs typeface="宋体" panose="02010600030101010101" pitchFamily="2" charset="-122"/>
+            </a:endParaRPr>
+          </a:p>
+        </p:txBody>
+      </p:sp>
+      <p:sp>
+        <p:nvSpPr>
+          <p:cNvPr id="40" name="矩形 39"/>
+          <p:cNvSpPr/>
+          <p:nvPr/>
+        </p:nvSpPr>
+        <p:spPr>
+          <a:xfrm>
+            <a:off x="8422640" y="736600"/>
+            <a:ext cx="956945" cy="364490"/>
+          </a:xfrm>
+          <a:prstGeom prst="rect">
+            <a:avLst/>
+          </a:prstGeom>
+          <a:noFill/>
+          <a:ln w="28575">
+            <a:solidFill>
+              <a:srgbClr val="55D9FF"/>
+            </a:solidFill>
+          </a:ln>
+          <a:extLst>
+            <a:ext uri="{909E8E84-426E-40DD-AFC4-6F175D3DCCD1}">
+              <a14:hiddenFill xmlns:a14="http://schemas.microsoft.com/office/drawing/2010/main">
+                <a:solidFill>
+                  <a:schemeClr val="accent1"/>
+                </a:solidFill>
+              </a14:hiddenFill>
+            </a:ext>
+          </a:extLst>
+        </p:spPr>
+        <p:style>
+          <a:lnRef idx="2">
+            <a:schemeClr val="accent1">
+              <a:shade val="50000"/>
+            </a:schemeClr>
+          </a:lnRef>
+          <a:fillRef idx="1">
+            <a:schemeClr val="accent1"/>
+          </a:fillRef>
+          <a:effectRef idx="0">
+            <a:schemeClr val="accent1"/>
+          </a:effectRef>
+          <a:fontRef idx="minor">
+            <a:schemeClr val="lt1"/>
+          </a:fontRef>
+        </p:style>
+        <p:txBody>
+          <a:bodyPr rtlCol="0" anchor="ctr"/>
+          <a:p>
+            <a:pPr algn="ctr"/>
+            <a:r>
+              <a:rPr lang="zh-CN" altLang="en-US" sz="1400" b="1">
+                <a:solidFill>
+                  <a:srgbClr val="00B050"/>
+                </a:solidFill>
+                <a:latin typeface="宋体" panose="02010600030101010101" pitchFamily="2" charset="-122"/>
+                <a:ea typeface="宋体" panose="02010600030101010101" pitchFamily="2" charset="-122"/>
+                <a:cs typeface="宋体" panose="02010600030101010101" pitchFamily="2" charset="-122"/>
+              </a:rPr>
+              <a:t>异常处理</a:t>
+            </a:r>
+            <a:endParaRPr lang="zh-CN" altLang="en-US" sz="1400" b="1">
+              <a:solidFill>
+                <a:srgbClr val="00B050"/>
+              </a:solidFill>
+              <a:latin typeface="宋体" panose="02010600030101010101" pitchFamily="2" charset="-122"/>
+              <a:ea typeface="宋体" panose="02010600030101010101" pitchFamily="2" charset="-122"/>
+              <a:cs typeface="宋体" panose="02010600030101010101" pitchFamily="2" charset="-122"/>
+            </a:endParaRPr>
+          </a:p>
+        </p:txBody>
+      </p:sp>
+      <p:sp>
+        <p:nvSpPr>
+          <p:cNvPr id="41" name="矩形 40"/>
+          <p:cNvSpPr/>
+          <p:nvPr/>
+        </p:nvSpPr>
+        <p:spPr>
+          <a:xfrm>
+            <a:off x="7135495" y="1369695"/>
+            <a:ext cx="956945" cy="364490"/>
+          </a:xfrm>
+          <a:prstGeom prst="rect">
+            <a:avLst/>
+          </a:prstGeom>
+          <a:noFill/>
+          <a:ln w="28575">
+            <a:solidFill>
+              <a:srgbClr val="55D9FF"/>
+            </a:solidFill>
+          </a:ln>
+          <a:extLst>
+            <a:ext uri="{909E8E84-426E-40DD-AFC4-6F175D3DCCD1}">
+              <a14:hiddenFill xmlns:a14="http://schemas.microsoft.com/office/drawing/2010/main">
+                <a:solidFill>
+                  <a:schemeClr val="accent1"/>
+                </a:solidFill>
+              </a14:hiddenFill>
+            </a:ext>
+          </a:extLst>
+        </p:spPr>
+        <p:style>
+          <a:lnRef idx="2">
+            <a:schemeClr val="accent1">
+              <a:shade val="50000"/>
+            </a:schemeClr>
+          </a:lnRef>
+          <a:fillRef idx="1">
+            <a:schemeClr val="accent1"/>
+          </a:fillRef>
+          <a:effectRef idx="0">
+            <a:schemeClr val="accent1"/>
+          </a:effectRef>
+          <a:fontRef idx="minor">
+            <a:schemeClr val="lt1"/>
+          </a:fontRef>
+        </p:style>
+        <p:txBody>
+          <a:bodyPr rtlCol="0" anchor="ctr"/>
+          <a:p>
+            <a:pPr algn="ctr"/>
+            <a:r>
+              <a:rPr lang="zh-CN" altLang="en-US" sz="1400" b="1">
+                <a:solidFill>
+                  <a:srgbClr val="00B050"/>
+                </a:solidFill>
+                <a:latin typeface="宋体" panose="02010600030101010101" pitchFamily="2" charset="-122"/>
+                <a:ea typeface="宋体" panose="02010600030101010101" pitchFamily="2" charset="-122"/>
+                <a:cs typeface="宋体" panose="02010600030101010101" pitchFamily="2" charset="-122"/>
+              </a:rPr>
+              <a:t>正则</a:t>
+            </a:r>
+            <a:endParaRPr lang="zh-CN" altLang="en-US" sz="1400" b="1">
+              <a:solidFill>
+                <a:srgbClr val="00B050"/>
+              </a:solidFill>
+              <a:latin typeface="宋体" panose="02010600030101010101" pitchFamily="2" charset="-122"/>
+              <a:ea typeface="宋体" panose="02010600030101010101" pitchFamily="2" charset="-122"/>
+              <a:cs typeface="宋体" panose="02010600030101010101" pitchFamily="2" charset="-122"/>
+            </a:endParaRPr>
+          </a:p>
+        </p:txBody>
+      </p:sp>
+      <p:cxnSp>
+        <p:nvCxnSpPr>
+          <p:cNvPr id="44" name="直接连接符 43"/>
+          <p:cNvCxnSpPr/>
+          <p:nvPr/>
+        </p:nvCxnSpPr>
+        <p:spPr>
+          <a:xfrm>
+            <a:off x="393700" y="2558415"/>
+            <a:ext cx="11411585" cy="0"/>
+          </a:xfrm>
+          <a:prstGeom prst="line">
+            <a:avLst/>
+          </a:prstGeom>
+          <a:ln w="19050">
+            <a:prstDash val="dash"/>
+          </a:ln>
+        </p:spPr>
+        <p:style>
+          <a:lnRef idx="1">
+            <a:schemeClr val="accent1"/>
+          </a:lnRef>
+          <a:fillRef idx="0">
+            <a:schemeClr val="accent1"/>
+          </a:fillRef>
+          <a:effectRef idx="0">
+            <a:schemeClr val="accent1"/>
+          </a:effectRef>
+          <a:fontRef idx="minor">
+            <a:schemeClr val="tx1"/>
+          </a:fontRef>
+        </p:style>
+      </p:cxnSp>
+      <p:cxnSp>
+        <p:nvCxnSpPr>
+          <p:cNvPr id="45" name="直接连接符 44"/>
+          <p:cNvCxnSpPr/>
+          <p:nvPr/>
+        </p:nvCxnSpPr>
+        <p:spPr>
+          <a:xfrm>
+            <a:off x="407670" y="4396105"/>
+            <a:ext cx="11411585" cy="0"/>
+          </a:xfrm>
+          <a:prstGeom prst="line">
+            <a:avLst/>
+          </a:prstGeom>
+          <a:ln w="19050">
+            <a:prstDash val="dash"/>
+          </a:ln>
+        </p:spPr>
+        <p:style>
+          <a:lnRef idx="1">
+            <a:schemeClr val="accent1"/>
+          </a:lnRef>
+          <a:fillRef idx="0">
+            <a:schemeClr val="accent1"/>
+          </a:fillRef>
+          <a:effectRef idx="0">
+            <a:schemeClr val="accent1"/>
+          </a:effectRef>
+          <a:fontRef idx="minor">
+            <a:schemeClr val="tx1"/>
+          </a:fontRef>
+        </p:style>
+      </p:cxnSp>
+      <p:sp>
+        <p:nvSpPr>
+          <p:cNvPr id="46" name="矩形 45"/>
+          <p:cNvSpPr/>
+          <p:nvPr/>
+        </p:nvSpPr>
+        <p:spPr>
+          <a:xfrm>
+            <a:off x="1988185" y="2785110"/>
+            <a:ext cx="956945" cy="364490"/>
+          </a:xfrm>
+          <a:prstGeom prst="rect">
+            <a:avLst/>
+          </a:prstGeom>
+          <a:noFill/>
+          <a:ln w="28575">
+            <a:solidFill>
+              <a:srgbClr val="55D9FF"/>
+            </a:solidFill>
+          </a:ln>
+          <a:extLst>
+            <a:ext uri="{909E8E84-426E-40DD-AFC4-6F175D3DCCD1}">
+              <a14:hiddenFill xmlns:a14="http://schemas.microsoft.com/office/drawing/2010/main">
+                <a:solidFill>
+                  <a:schemeClr val="accent1"/>
+                </a:solidFill>
+              </a14:hiddenFill>
+            </a:ext>
+          </a:extLst>
+        </p:spPr>
+        <p:style>
+          <a:lnRef idx="2">
+            <a:schemeClr val="accent1">
+              <a:shade val="50000"/>
+            </a:schemeClr>
+          </a:lnRef>
+          <a:fillRef idx="1">
+            <a:schemeClr val="accent1"/>
+          </a:fillRef>
+          <a:effectRef idx="0">
+            <a:schemeClr val="accent1"/>
+          </a:effectRef>
+          <a:fontRef idx="minor">
+            <a:schemeClr val="lt1"/>
+          </a:fontRef>
+        </p:style>
+        <p:txBody>
+          <a:bodyPr rtlCol="0" anchor="ctr"/>
+          <a:p>
+            <a:pPr algn="ctr"/>
+            <a:r>
+              <a:rPr lang="en-US" altLang="zh-CN" sz="1400" b="1">
+                <a:solidFill>
+                  <a:srgbClr val="00B050"/>
+                </a:solidFill>
+                <a:latin typeface="宋体" panose="02010600030101010101" pitchFamily="2" charset="-122"/>
+                <a:ea typeface="宋体" panose="02010600030101010101" pitchFamily="2" charset="-122"/>
+                <a:cs typeface="宋体" panose="02010600030101010101" pitchFamily="2" charset="-122"/>
+              </a:rPr>
+              <a:t>html</a:t>
+            </a:r>
+            <a:endParaRPr lang="en-US" altLang="zh-CN" sz="1400" b="1">
+              <a:solidFill>
+                <a:srgbClr val="00B050"/>
+              </a:solidFill>
+              <a:latin typeface="宋体" panose="02010600030101010101" pitchFamily="2" charset="-122"/>
+              <a:ea typeface="宋体" panose="02010600030101010101" pitchFamily="2" charset="-122"/>
+              <a:cs typeface="宋体" panose="02010600030101010101" pitchFamily="2" charset="-122"/>
+            </a:endParaRPr>
+          </a:p>
+        </p:txBody>
+      </p:sp>
+      <p:sp>
+        <p:nvSpPr>
+          <p:cNvPr id="47" name="矩形 46"/>
+          <p:cNvSpPr/>
+          <p:nvPr/>
+        </p:nvSpPr>
+        <p:spPr>
+          <a:xfrm>
+            <a:off x="3279775" y="2785110"/>
+            <a:ext cx="956945" cy="364490"/>
+          </a:xfrm>
+          <a:prstGeom prst="rect">
+            <a:avLst/>
+          </a:prstGeom>
+          <a:noFill/>
+          <a:ln w="28575">
+            <a:solidFill>
+              <a:srgbClr val="55D9FF"/>
+            </a:solidFill>
+          </a:ln>
+          <a:extLst>
+            <a:ext uri="{909E8E84-426E-40DD-AFC4-6F175D3DCCD1}">
+              <a14:hiddenFill xmlns:a14="http://schemas.microsoft.com/office/drawing/2010/main">
+                <a:solidFill>
+                  <a:schemeClr val="accent1"/>
+                </a:solidFill>
+              </a14:hiddenFill>
+            </a:ext>
+          </a:extLst>
+        </p:spPr>
+        <p:style>
+          <a:lnRef idx="2">
+            <a:schemeClr val="accent1">
+              <a:shade val="50000"/>
+            </a:schemeClr>
+          </a:lnRef>
+          <a:fillRef idx="1">
+            <a:schemeClr val="accent1"/>
+          </a:fillRef>
+          <a:effectRef idx="0">
+            <a:schemeClr val="accent1"/>
+          </a:effectRef>
+          <a:fontRef idx="minor">
+            <a:schemeClr val="lt1"/>
+          </a:fontRef>
+        </p:style>
+        <p:txBody>
+          <a:bodyPr rtlCol="0" anchor="ctr"/>
+          <a:p>
+            <a:pPr algn="ctr"/>
+            <a:r>
+              <a:rPr lang="en-US" altLang="zh-CN" sz="1400" b="1">
+                <a:solidFill>
+                  <a:srgbClr val="00B050"/>
+                </a:solidFill>
+                <a:latin typeface="宋体" panose="02010600030101010101" pitchFamily="2" charset="-122"/>
+                <a:ea typeface="宋体" panose="02010600030101010101" pitchFamily="2" charset="-122"/>
+                <a:cs typeface="宋体" panose="02010600030101010101" pitchFamily="2" charset="-122"/>
+              </a:rPr>
+              <a:t>css</a:t>
+            </a:r>
+            <a:endParaRPr lang="en-US" altLang="zh-CN" sz="1400" b="1">
+              <a:solidFill>
+                <a:srgbClr val="00B050"/>
+              </a:solidFill>
+              <a:latin typeface="宋体" panose="02010600030101010101" pitchFamily="2" charset="-122"/>
+              <a:ea typeface="宋体" panose="02010600030101010101" pitchFamily="2" charset="-122"/>
+              <a:cs typeface="宋体" panose="02010600030101010101" pitchFamily="2" charset="-122"/>
+            </a:endParaRPr>
+          </a:p>
+        </p:txBody>
+      </p:sp>
+      <p:sp>
+        <p:nvSpPr>
+          <p:cNvPr id="48" name="矩形 47"/>
+          <p:cNvSpPr/>
+          <p:nvPr/>
+        </p:nvSpPr>
+        <p:spPr>
+          <a:xfrm>
+            <a:off x="4569460" y="2785110"/>
+            <a:ext cx="1176020" cy="364490"/>
+          </a:xfrm>
+          <a:prstGeom prst="rect">
+            <a:avLst/>
+          </a:prstGeom>
+          <a:noFill/>
+          <a:ln w="28575">
+            <a:solidFill>
+              <a:srgbClr val="55D9FF"/>
+            </a:solidFill>
+          </a:ln>
+          <a:extLst>
+            <a:ext uri="{909E8E84-426E-40DD-AFC4-6F175D3DCCD1}">
+              <a14:hiddenFill xmlns:a14="http://schemas.microsoft.com/office/drawing/2010/main">
+                <a:solidFill>
+                  <a:schemeClr val="accent1"/>
+                </a:solidFill>
+              </a14:hiddenFill>
+            </a:ext>
+          </a:extLst>
+        </p:spPr>
+        <p:style>
+          <a:lnRef idx="2">
+            <a:schemeClr val="accent1">
+              <a:shade val="50000"/>
+            </a:schemeClr>
+          </a:lnRef>
+          <a:fillRef idx="1">
+            <a:schemeClr val="accent1"/>
+          </a:fillRef>
+          <a:effectRef idx="0">
+            <a:schemeClr val="accent1"/>
+          </a:effectRef>
+          <a:fontRef idx="minor">
+            <a:schemeClr val="lt1"/>
+          </a:fontRef>
+        </p:style>
+        <p:txBody>
+          <a:bodyPr rtlCol="0" anchor="ctr"/>
+          <a:p>
+            <a:pPr algn="ctr"/>
+            <a:r>
+              <a:rPr lang="en-US" altLang="zh-CN" sz="1400" b="1">
+                <a:solidFill>
+                  <a:srgbClr val="00B050"/>
+                </a:solidFill>
+                <a:latin typeface="宋体" panose="02010600030101010101" pitchFamily="2" charset="-122"/>
+                <a:ea typeface="宋体" panose="02010600030101010101" pitchFamily="2" charset="-122"/>
+                <a:cs typeface="宋体" panose="02010600030101010101" pitchFamily="2" charset="-122"/>
+              </a:rPr>
+              <a:t>JavaScript</a:t>
+            </a:r>
+            <a:endParaRPr lang="en-US" altLang="zh-CN" sz="1400" b="1">
+              <a:solidFill>
+                <a:srgbClr val="00B050"/>
+              </a:solidFill>
+              <a:latin typeface="宋体" panose="02010600030101010101" pitchFamily="2" charset="-122"/>
+              <a:ea typeface="宋体" panose="02010600030101010101" pitchFamily="2" charset="-122"/>
+              <a:cs typeface="宋体" panose="02010600030101010101" pitchFamily="2" charset="-122"/>
+            </a:endParaRPr>
+          </a:p>
+        </p:txBody>
+      </p:sp>
+      <p:sp>
+        <p:nvSpPr>
+          <p:cNvPr id="57" name="矩形 56"/>
+          <p:cNvSpPr/>
+          <p:nvPr/>
+        </p:nvSpPr>
+        <p:spPr>
+          <a:xfrm>
+            <a:off x="1988185" y="3346450"/>
+            <a:ext cx="956945" cy="364490"/>
+          </a:xfrm>
+          <a:prstGeom prst="rect">
+            <a:avLst/>
+          </a:prstGeom>
+          <a:noFill/>
+          <a:ln w="28575">
+            <a:solidFill>
+              <a:srgbClr val="55D9FF"/>
+            </a:solidFill>
+          </a:ln>
+          <a:extLst>
+            <a:ext uri="{909E8E84-426E-40DD-AFC4-6F175D3DCCD1}">
+              <a14:hiddenFill xmlns:a14="http://schemas.microsoft.com/office/drawing/2010/main">
+                <a:solidFill>
+                  <a:schemeClr val="accent1"/>
+                </a:solidFill>
+              </a14:hiddenFill>
+            </a:ext>
+          </a:extLst>
+        </p:spPr>
+        <p:style>
+          <a:lnRef idx="2">
+            <a:schemeClr val="accent1">
+              <a:shade val="50000"/>
+            </a:schemeClr>
+          </a:lnRef>
+          <a:fillRef idx="1">
+            <a:schemeClr val="accent1"/>
+          </a:fillRef>
+          <a:effectRef idx="0">
+            <a:schemeClr val="accent1"/>
+          </a:effectRef>
+          <a:fontRef idx="minor">
+            <a:schemeClr val="lt1"/>
+          </a:fontRef>
+        </p:style>
+        <p:txBody>
+          <a:bodyPr rtlCol="0" anchor="ctr"/>
+          <a:p>
+            <a:pPr algn="ctr"/>
+            <a:r>
+              <a:rPr lang="en-US" altLang="zh-CN" sz="1400" b="1">
+                <a:solidFill>
+                  <a:srgbClr val="00B050"/>
+                </a:solidFill>
+                <a:latin typeface="宋体" panose="02010600030101010101" pitchFamily="2" charset="-122"/>
+                <a:ea typeface="宋体" panose="02010600030101010101" pitchFamily="2" charset="-122"/>
+                <a:cs typeface="宋体" panose="02010600030101010101" pitchFamily="2" charset="-122"/>
+              </a:rPr>
+              <a:t>mysql</a:t>
+            </a:r>
+            <a:endParaRPr lang="en-US" altLang="zh-CN" sz="1400" b="1">
+              <a:solidFill>
+                <a:srgbClr val="00B050"/>
+              </a:solidFill>
+              <a:latin typeface="宋体" panose="02010600030101010101" pitchFamily="2" charset="-122"/>
+              <a:ea typeface="宋体" panose="02010600030101010101" pitchFamily="2" charset="-122"/>
+              <a:cs typeface="宋体" panose="02010600030101010101" pitchFamily="2" charset="-122"/>
+            </a:endParaRPr>
+          </a:p>
+        </p:txBody>
+      </p:sp>
+      <p:sp>
+        <p:nvSpPr>
+          <p:cNvPr id="58" name="矩形 57"/>
+          <p:cNvSpPr/>
+          <p:nvPr/>
+        </p:nvSpPr>
+        <p:spPr>
+          <a:xfrm>
+            <a:off x="4569460" y="3346450"/>
+            <a:ext cx="956945" cy="364490"/>
+          </a:xfrm>
+          <a:prstGeom prst="rect">
+            <a:avLst/>
+          </a:prstGeom>
+          <a:noFill/>
+          <a:ln w="28575">
+            <a:solidFill>
+              <a:srgbClr val="55D9FF"/>
+            </a:solidFill>
+          </a:ln>
+          <a:extLst>
+            <a:ext uri="{909E8E84-426E-40DD-AFC4-6F175D3DCCD1}">
+              <a14:hiddenFill xmlns:a14="http://schemas.microsoft.com/office/drawing/2010/main">
+                <a:solidFill>
+                  <a:schemeClr val="accent1"/>
+                </a:solidFill>
+              </a14:hiddenFill>
+            </a:ext>
+          </a:extLst>
+        </p:spPr>
+        <p:style>
+          <a:lnRef idx="2">
+            <a:schemeClr val="accent1">
+              <a:shade val="50000"/>
+            </a:schemeClr>
+          </a:lnRef>
+          <a:fillRef idx="1">
+            <a:schemeClr val="accent1"/>
+          </a:fillRef>
+          <a:effectRef idx="0">
+            <a:schemeClr val="accent1"/>
+          </a:effectRef>
+          <a:fontRef idx="minor">
+            <a:schemeClr val="lt1"/>
+          </a:fontRef>
+        </p:style>
+        <p:txBody>
+          <a:bodyPr rtlCol="0" anchor="ctr"/>
+          <a:p>
+            <a:pPr algn="ctr"/>
+            <a:r>
+              <a:rPr lang="en-US" altLang="zh-CN" sz="1400" b="1">
+                <a:solidFill>
+                  <a:srgbClr val="00B050"/>
+                </a:solidFill>
+                <a:latin typeface="宋体" panose="02010600030101010101" pitchFamily="2" charset="-122"/>
+                <a:ea typeface="宋体" panose="02010600030101010101" pitchFamily="2" charset="-122"/>
+                <a:cs typeface="宋体" panose="02010600030101010101" pitchFamily="2" charset="-122"/>
+              </a:rPr>
+              <a:t>servlet</a:t>
+            </a:r>
+            <a:endParaRPr lang="en-US" altLang="zh-CN" sz="1400" b="1">
+              <a:solidFill>
+                <a:srgbClr val="00B050"/>
+              </a:solidFill>
+              <a:latin typeface="宋体" panose="02010600030101010101" pitchFamily="2" charset="-122"/>
+              <a:ea typeface="宋体" panose="02010600030101010101" pitchFamily="2" charset="-122"/>
+              <a:cs typeface="宋体" panose="02010600030101010101" pitchFamily="2" charset="-122"/>
+            </a:endParaRPr>
+          </a:p>
+        </p:txBody>
+      </p:sp>
+      <p:sp>
+        <p:nvSpPr>
+          <p:cNvPr id="59" name="矩形 58"/>
+          <p:cNvSpPr/>
+          <p:nvPr/>
+        </p:nvSpPr>
+        <p:spPr>
+          <a:xfrm>
+            <a:off x="3279775" y="3346450"/>
+            <a:ext cx="956945" cy="364490"/>
+          </a:xfrm>
+          <a:prstGeom prst="rect">
+            <a:avLst/>
+          </a:prstGeom>
+          <a:noFill/>
+          <a:ln w="28575">
+            <a:solidFill>
+              <a:srgbClr val="55D9FF"/>
+            </a:solidFill>
+          </a:ln>
+          <a:extLst>
+            <a:ext uri="{909E8E84-426E-40DD-AFC4-6F175D3DCCD1}">
+              <a14:hiddenFill xmlns:a14="http://schemas.microsoft.com/office/drawing/2010/main">
+                <a:solidFill>
+                  <a:schemeClr val="accent1"/>
+                </a:solidFill>
+              </a14:hiddenFill>
+            </a:ext>
+          </a:extLst>
+        </p:spPr>
+        <p:style>
+          <a:lnRef idx="2">
+            <a:schemeClr val="accent1">
+              <a:shade val="50000"/>
+            </a:schemeClr>
+          </a:lnRef>
+          <a:fillRef idx="1">
+            <a:schemeClr val="accent1"/>
+          </a:fillRef>
+          <a:effectRef idx="0">
+            <a:schemeClr val="accent1"/>
+          </a:effectRef>
+          <a:fontRef idx="minor">
+            <a:schemeClr val="lt1"/>
+          </a:fontRef>
+        </p:style>
+        <p:txBody>
+          <a:bodyPr rtlCol="0" anchor="ctr"/>
+          <a:p>
+            <a:pPr algn="ctr"/>
+            <a:r>
+              <a:rPr lang="en-US" altLang="zh-CN" sz="1400" b="1">
+                <a:solidFill>
+                  <a:srgbClr val="00B050"/>
+                </a:solidFill>
+                <a:latin typeface="宋体" panose="02010600030101010101" pitchFamily="2" charset="-122"/>
+                <a:ea typeface="宋体" panose="02010600030101010101" pitchFamily="2" charset="-122"/>
+                <a:cs typeface="宋体" panose="02010600030101010101" pitchFamily="2" charset="-122"/>
+              </a:rPr>
+              <a:t>jdbc</a:t>
+            </a:r>
+            <a:endParaRPr lang="en-US" altLang="zh-CN" sz="1400" b="1">
+              <a:solidFill>
+                <a:srgbClr val="00B050"/>
+              </a:solidFill>
+              <a:latin typeface="宋体" panose="02010600030101010101" pitchFamily="2" charset="-122"/>
+              <a:ea typeface="宋体" panose="02010600030101010101" pitchFamily="2" charset="-122"/>
+              <a:cs typeface="宋体" panose="02010600030101010101" pitchFamily="2" charset="-122"/>
+            </a:endParaRPr>
+          </a:p>
+        </p:txBody>
+      </p:sp>
+      <p:sp>
+        <p:nvSpPr>
+          <p:cNvPr id="60" name="矩形 59"/>
+          <p:cNvSpPr/>
+          <p:nvPr/>
+        </p:nvSpPr>
+        <p:spPr>
+          <a:xfrm>
+            <a:off x="5846445" y="3346450"/>
+            <a:ext cx="956945" cy="364490"/>
+          </a:xfrm>
+          <a:prstGeom prst="rect">
+            <a:avLst/>
+          </a:prstGeom>
+          <a:noFill/>
+          <a:ln w="28575">
+            <a:solidFill>
+              <a:srgbClr val="55D9FF"/>
+            </a:solidFill>
+          </a:ln>
+          <a:extLst>
+            <a:ext uri="{909E8E84-426E-40DD-AFC4-6F175D3DCCD1}">
+              <a14:hiddenFill xmlns:a14="http://schemas.microsoft.com/office/drawing/2010/main">
+                <a:solidFill>
+                  <a:schemeClr val="accent1"/>
+                </a:solidFill>
+              </a14:hiddenFill>
+            </a:ext>
+          </a:extLst>
+        </p:spPr>
+        <p:style>
+          <a:lnRef idx="2">
+            <a:schemeClr val="accent1">
+              <a:shade val="50000"/>
+            </a:schemeClr>
+          </a:lnRef>
+          <a:fillRef idx="1">
+            <a:schemeClr val="accent1"/>
+          </a:fillRef>
+          <a:effectRef idx="0">
+            <a:schemeClr val="accent1"/>
+          </a:effectRef>
+          <a:fontRef idx="minor">
+            <a:schemeClr val="lt1"/>
+          </a:fontRef>
+        </p:style>
+        <p:txBody>
+          <a:bodyPr rtlCol="0" anchor="ctr"/>
+          <a:p>
+            <a:pPr algn="ctr"/>
+            <a:r>
+              <a:rPr lang="en-US" altLang="zh-CN" sz="1400" b="1">
+                <a:solidFill>
+                  <a:srgbClr val="00B050"/>
+                </a:solidFill>
+                <a:latin typeface="宋体" panose="02010600030101010101" pitchFamily="2" charset="-122"/>
+                <a:ea typeface="宋体" panose="02010600030101010101" pitchFamily="2" charset="-122"/>
+                <a:cs typeface="宋体" panose="02010600030101010101" pitchFamily="2" charset="-122"/>
+              </a:rPr>
+              <a:t>jsp</a:t>
+            </a:r>
+            <a:endParaRPr lang="en-US" altLang="zh-CN" sz="1400" b="1">
+              <a:solidFill>
+                <a:srgbClr val="00B050"/>
+              </a:solidFill>
+              <a:latin typeface="宋体" panose="02010600030101010101" pitchFamily="2" charset="-122"/>
+              <a:ea typeface="宋体" panose="02010600030101010101" pitchFamily="2" charset="-122"/>
+              <a:cs typeface="宋体" panose="02010600030101010101" pitchFamily="2" charset="-122"/>
+            </a:endParaRPr>
+          </a:p>
+        </p:txBody>
+      </p:sp>
+      <p:sp>
+        <p:nvSpPr>
+          <p:cNvPr id="61" name="矩形 60"/>
+          <p:cNvSpPr/>
+          <p:nvPr/>
+        </p:nvSpPr>
+        <p:spPr>
+          <a:xfrm>
+            <a:off x="8422640" y="3346450"/>
+            <a:ext cx="956945" cy="364490"/>
+          </a:xfrm>
+          <a:prstGeom prst="rect">
+            <a:avLst/>
+          </a:prstGeom>
+          <a:noFill/>
+          <a:ln w="28575">
+            <a:solidFill>
+              <a:srgbClr val="55D9FF"/>
+            </a:solidFill>
+          </a:ln>
+          <a:extLst>
+            <a:ext uri="{909E8E84-426E-40DD-AFC4-6F175D3DCCD1}">
+              <a14:hiddenFill xmlns:a14="http://schemas.microsoft.com/office/drawing/2010/main">
+                <a:solidFill>
+                  <a:schemeClr val="accent1"/>
+                </a:solidFill>
+              </a14:hiddenFill>
+            </a:ext>
+          </a:extLst>
+        </p:spPr>
+        <p:style>
+          <a:lnRef idx="2">
+            <a:schemeClr val="accent1">
+              <a:shade val="50000"/>
+            </a:schemeClr>
+          </a:lnRef>
+          <a:fillRef idx="1">
+            <a:schemeClr val="accent1"/>
+          </a:fillRef>
+          <a:effectRef idx="0">
+            <a:schemeClr val="accent1"/>
+          </a:effectRef>
+          <a:fontRef idx="minor">
+            <a:schemeClr val="lt1"/>
+          </a:fontRef>
+        </p:style>
+        <p:txBody>
+          <a:bodyPr rtlCol="0" anchor="ctr"/>
+          <a:p>
+            <a:pPr algn="ctr"/>
+            <a:r>
+              <a:rPr lang="en-US" altLang="zh-CN" sz="1400" b="1">
+                <a:solidFill>
+                  <a:srgbClr val="00B050"/>
+                </a:solidFill>
+                <a:latin typeface="宋体" panose="02010600030101010101" pitchFamily="2" charset="-122"/>
+                <a:ea typeface="宋体" panose="02010600030101010101" pitchFamily="2" charset="-122"/>
+                <a:cs typeface="宋体" panose="02010600030101010101" pitchFamily="2" charset="-122"/>
+              </a:rPr>
+              <a:t>session</a:t>
+            </a:r>
+            <a:endParaRPr lang="en-US" altLang="zh-CN" sz="1400" b="1">
+              <a:solidFill>
+                <a:srgbClr val="00B050"/>
+              </a:solidFill>
+              <a:latin typeface="宋体" panose="02010600030101010101" pitchFamily="2" charset="-122"/>
+              <a:ea typeface="宋体" panose="02010600030101010101" pitchFamily="2" charset="-122"/>
+              <a:cs typeface="宋体" panose="02010600030101010101" pitchFamily="2" charset="-122"/>
+            </a:endParaRPr>
+          </a:p>
+        </p:txBody>
+      </p:sp>
+      <p:sp>
+        <p:nvSpPr>
+          <p:cNvPr id="62" name="矩形 61"/>
+          <p:cNvSpPr/>
+          <p:nvPr/>
+        </p:nvSpPr>
+        <p:spPr>
+          <a:xfrm>
+            <a:off x="7135495" y="3346450"/>
+            <a:ext cx="956945" cy="364490"/>
+          </a:xfrm>
+          <a:prstGeom prst="rect">
+            <a:avLst/>
+          </a:prstGeom>
+          <a:noFill/>
+          <a:ln w="28575">
+            <a:solidFill>
+              <a:srgbClr val="55D9FF"/>
+            </a:solidFill>
+          </a:ln>
+          <a:extLst>
+            <a:ext uri="{909E8E84-426E-40DD-AFC4-6F175D3DCCD1}">
+              <a14:hiddenFill xmlns:a14="http://schemas.microsoft.com/office/drawing/2010/main">
+                <a:solidFill>
+                  <a:schemeClr val="accent1"/>
+                </a:solidFill>
+              </a14:hiddenFill>
+            </a:ext>
+          </a:extLst>
+        </p:spPr>
+        <p:style>
+          <a:lnRef idx="2">
+            <a:schemeClr val="accent1">
+              <a:shade val="50000"/>
+            </a:schemeClr>
+          </a:lnRef>
+          <a:fillRef idx="1">
+            <a:schemeClr val="accent1"/>
+          </a:fillRef>
+          <a:effectRef idx="0">
+            <a:schemeClr val="accent1"/>
+          </a:effectRef>
+          <a:fontRef idx="minor">
+            <a:schemeClr val="lt1"/>
+          </a:fontRef>
+        </p:style>
+        <p:txBody>
+          <a:bodyPr rtlCol="0" anchor="ctr"/>
+          <a:p>
+            <a:pPr algn="ctr"/>
+            <a:r>
+              <a:rPr lang="en-US" altLang="zh-CN" sz="1400" b="1">
+                <a:solidFill>
+                  <a:srgbClr val="00B050"/>
+                </a:solidFill>
+                <a:latin typeface="宋体" panose="02010600030101010101" pitchFamily="2" charset="-122"/>
+                <a:ea typeface="宋体" panose="02010600030101010101" pitchFamily="2" charset="-122"/>
+                <a:cs typeface="宋体" panose="02010600030101010101" pitchFamily="2" charset="-122"/>
+              </a:rPr>
+              <a:t>cookie</a:t>
+            </a:r>
+            <a:endParaRPr lang="en-US" altLang="zh-CN" sz="1400" b="1">
+              <a:solidFill>
+                <a:srgbClr val="00B050"/>
+              </a:solidFill>
+              <a:latin typeface="宋体" panose="02010600030101010101" pitchFamily="2" charset="-122"/>
+              <a:ea typeface="宋体" panose="02010600030101010101" pitchFamily="2" charset="-122"/>
+              <a:cs typeface="宋体" panose="02010600030101010101" pitchFamily="2" charset="-122"/>
+            </a:endParaRPr>
+          </a:p>
+        </p:txBody>
+      </p:sp>
+      <p:sp>
+        <p:nvSpPr>
+          <p:cNvPr id="63" name="矩形 62"/>
+          <p:cNvSpPr/>
+          <p:nvPr/>
+        </p:nvSpPr>
+        <p:spPr>
+          <a:xfrm>
+            <a:off x="4569460" y="4712970"/>
+            <a:ext cx="956945" cy="364490"/>
+          </a:xfrm>
+          <a:prstGeom prst="rect">
+            <a:avLst/>
+          </a:prstGeom>
+          <a:noFill/>
+          <a:ln w="28575">
+            <a:solidFill>
+              <a:srgbClr val="55D9FF"/>
+            </a:solidFill>
+          </a:ln>
+          <a:extLst>
+            <a:ext uri="{909E8E84-426E-40DD-AFC4-6F175D3DCCD1}">
+              <a14:hiddenFill xmlns:a14="http://schemas.microsoft.com/office/drawing/2010/main">
+                <a:solidFill>
+                  <a:schemeClr val="accent1"/>
+                </a:solidFill>
+              </a14:hiddenFill>
+            </a:ext>
+          </a:extLst>
+        </p:spPr>
+        <p:style>
+          <a:lnRef idx="2">
+            <a:schemeClr val="accent1">
+              <a:shade val="50000"/>
+            </a:schemeClr>
+          </a:lnRef>
+          <a:fillRef idx="1">
+            <a:schemeClr val="accent1"/>
+          </a:fillRef>
+          <a:effectRef idx="0">
+            <a:schemeClr val="accent1"/>
+          </a:effectRef>
+          <a:fontRef idx="minor">
+            <a:schemeClr val="lt1"/>
+          </a:fontRef>
+        </p:style>
+        <p:txBody>
+          <a:bodyPr rtlCol="0" anchor="ctr"/>
+          <a:p>
+            <a:pPr algn="ctr"/>
+            <a:r>
+              <a:rPr lang="en-US" altLang="zh-CN" sz="1400" b="1">
+                <a:solidFill>
+                  <a:srgbClr val="00B050"/>
+                </a:solidFill>
+                <a:latin typeface="宋体" panose="02010600030101010101" pitchFamily="2" charset="-122"/>
+                <a:ea typeface="宋体" panose="02010600030101010101" pitchFamily="2" charset="-122"/>
+                <a:cs typeface="宋体" panose="02010600030101010101" pitchFamily="2" charset="-122"/>
+              </a:rPr>
+              <a:t>git</a:t>
+            </a:r>
+            <a:endParaRPr lang="en-US" altLang="zh-CN" sz="1400" b="1">
+              <a:solidFill>
+                <a:srgbClr val="00B050"/>
+              </a:solidFill>
+              <a:latin typeface="宋体" panose="02010600030101010101" pitchFamily="2" charset="-122"/>
+              <a:ea typeface="宋体" panose="02010600030101010101" pitchFamily="2" charset="-122"/>
+              <a:cs typeface="宋体" panose="02010600030101010101" pitchFamily="2" charset="-122"/>
+            </a:endParaRPr>
+          </a:p>
+        </p:txBody>
+      </p:sp>
+      <p:sp>
+        <p:nvSpPr>
+          <p:cNvPr id="64" name="矩形 63"/>
+          <p:cNvSpPr/>
+          <p:nvPr/>
+        </p:nvSpPr>
+        <p:spPr>
+          <a:xfrm>
+            <a:off x="1988185" y="3872865"/>
+            <a:ext cx="956945" cy="364490"/>
+          </a:xfrm>
+          <a:prstGeom prst="rect">
+            <a:avLst/>
+          </a:prstGeom>
+          <a:noFill/>
+          <a:ln w="28575">
+            <a:solidFill>
+              <a:srgbClr val="55D9FF"/>
+            </a:solidFill>
+          </a:ln>
+          <a:extLst>
+            <a:ext uri="{909E8E84-426E-40DD-AFC4-6F175D3DCCD1}">
+              <a14:hiddenFill xmlns:a14="http://schemas.microsoft.com/office/drawing/2010/main">
+                <a:solidFill>
+                  <a:schemeClr val="accent1"/>
+                </a:solidFill>
+              </a14:hiddenFill>
+            </a:ext>
+          </a:extLst>
+        </p:spPr>
+        <p:style>
+          <a:lnRef idx="2">
+            <a:schemeClr val="accent1">
+              <a:shade val="50000"/>
+            </a:schemeClr>
+          </a:lnRef>
+          <a:fillRef idx="1">
+            <a:schemeClr val="accent1"/>
+          </a:fillRef>
+          <a:effectRef idx="0">
+            <a:schemeClr val="accent1"/>
+          </a:effectRef>
+          <a:fontRef idx="minor">
+            <a:schemeClr val="lt1"/>
+          </a:fontRef>
+        </p:style>
+        <p:txBody>
+          <a:bodyPr rtlCol="0" anchor="ctr"/>
+          <a:p>
+            <a:pPr algn="ctr"/>
+            <a:r>
+              <a:rPr lang="en-US" altLang="zh-CN" sz="1400" b="1">
+                <a:solidFill>
+                  <a:srgbClr val="00B050"/>
+                </a:solidFill>
+                <a:latin typeface="宋体" panose="02010600030101010101" pitchFamily="2" charset="-122"/>
+                <a:ea typeface="宋体" panose="02010600030101010101" pitchFamily="2" charset="-122"/>
+                <a:cs typeface="宋体" panose="02010600030101010101" pitchFamily="2" charset="-122"/>
+              </a:rPr>
+              <a:t>spring</a:t>
+            </a:r>
+            <a:endParaRPr lang="en-US" altLang="zh-CN" sz="1400" b="1">
+              <a:solidFill>
+                <a:srgbClr val="00B050"/>
+              </a:solidFill>
+              <a:latin typeface="宋体" panose="02010600030101010101" pitchFamily="2" charset="-122"/>
+              <a:ea typeface="宋体" panose="02010600030101010101" pitchFamily="2" charset="-122"/>
+              <a:cs typeface="宋体" panose="02010600030101010101" pitchFamily="2" charset="-122"/>
+            </a:endParaRPr>
+          </a:p>
+        </p:txBody>
+      </p:sp>
+      <p:sp>
+        <p:nvSpPr>
+          <p:cNvPr id="65" name="矩形 64"/>
+          <p:cNvSpPr/>
+          <p:nvPr/>
+        </p:nvSpPr>
+        <p:spPr>
+          <a:xfrm>
+            <a:off x="4569460" y="3872865"/>
+            <a:ext cx="956945" cy="364490"/>
+          </a:xfrm>
+          <a:prstGeom prst="rect">
+            <a:avLst/>
+          </a:prstGeom>
+          <a:noFill/>
+          <a:ln w="28575">
+            <a:solidFill>
+              <a:srgbClr val="55D9FF"/>
+            </a:solidFill>
+          </a:ln>
+          <a:extLst>
+            <a:ext uri="{909E8E84-426E-40DD-AFC4-6F175D3DCCD1}">
+              <a14:hiddenFill xmlns:a14="http://schemas.microsoft.com/office/drawing/2010/main">
+                <a:solidFill>
+                  <a:schemeClr val="accent1"/>
+                </a:solidFill>
+              </a14:hiddenFill>
+            </a:ext>
+          </a:extLst>
+        </p:spPr>
+        <p:style>
+          <a:lnRef idx="2">
+            <a:schemeClr val="accent1">
+              <a:shade val="50000"/>
+            </a:schemeClr>
+          </a:lnRef>
+          <a:fillRef idx="1">
+            <a:schemeClr val="accent1"/>
+          </a:fillRef>
+          <a:effectRef idx="0">
+            <a:schemeClr val="accent1"/>
+          </a:effectRef>
+          <a:fontRef idx="minor">
+            <a:schemeClr val="lt1"/>
+          </a:fontRef>
+        </p:style>
+        <p:txBody>
+          <a:bodyPr rtlCol="0" anchor="ctr"/>
+          <a:p>
+            <a:pPr algn="ctr"/>
+            <a:r>
+              <a:rPr lang="en-US" altLang="zh-CN" sz="1400" b="1">
+                <a:solidFill>
+                  <a:srgbClr val="00B050"/>
+                </a:solidFill>
+                <a:latin typeface="宋体" panose="02010600030101010101" pitchFamily="2" charset="-122"/>
+                <a:ea typeface="宋体" panose="02010600030101010101" pitchFamily="2" charset="-122"/>
+                <a:cs typeface="宋体" panose="02010600030101010101" pitchFamily="2" charset="-122"/>
+              </a:rPr>
+              <a:t>mybatis</a:t>
+            </a:r>
+            <a:endParaRPr lang="en-US" altLang="zh-CN" sz="1400" b="1">
+              <a:solidFill>
+                <a:srgbClr val="00B050"/>
+              </a:solidFill>
+              <a:latin typeface="宋体" panose="02010600030101010101" pitchFamily="2" charset="-122"/>
+              <a:ea typeface="宋体" panose="02010600030101010101" pitchFamily="2" charset="-122"/>
+              <a:cs typeface="宋体" panose="02010600030101010101" pitchFamily="2" charset="-122"/>
+            </a:endParaRPr>
+          </a:p>
+        </p:txBody>
+      </p:sp>
+      <p:sp>
+        <p:nvSpPr>
+          <p:cNvPr id="66" name="矩形 65"/>
+          <p:cNvSpPr/>
+          <p:nvPr/>
+        </p:nvSpPr>
+        <p:spPr>
+          <a:xfrm>
+            <a:off x="3279775" y="3872865"/>
+            <a:ext cx="1120775" cy="364490"/>
+          </a:xfrm>
+          <a:prstGeom prst="rect">
+            <a:avLst/>
+          </a:prstGeom>
+          <a:noFill/>
+          <a:ln w="28575">
+            <a:solidFill>
+              <a:srgbClr val="55D9FF"/>
+            </a:solidFill>
+          </a:ln>
+          <a:extLst>
+            <a:ext uri="{909E8E84-426E-40DD-AFC4-6F175D3DCCD1}">
+              <a14:hiddenFill xmlns:a14="http://schemas.microsoft.com/office/drawing/2010/main">
+                <a:solidFill>
+                  <a:schemeClr val="accent1"/>
+                </a:solidFill>
+              </a14:hiddenFill>
+            </a:ext>
+          </a:extLst>
+        </p:spPr>
+        <p:style>
+          <a:lnRef idx="2">
+            <a:schemeClr val="accent1">
+              <a:shade val="50000"/>
+            </a:schemeClr>
+          </a:lnRef>
+          <a:fillRef idx="1">
+            <a:schemeClr val="accent1"/>
+          </a:fillRef>
+          <a:effectRef idx="0">
+            <a:schemeClr val="accent1"/>
+          </a:effectRef>
+          <a:fontRef idx="minor">
+            <a:schemeClr val="lt1"/>
+          </a:fontRef>
+        </p:style>
+        <p:txBody>
+          <a:bodyPr rtlCol="0" anchor="ctr"/>
+          <a:p>
+            <a:pPr algn="ctr"/>
+            <a:r>
+              <a:rPr lang="en-US" altLang="zh-CN" sz="1400" b="1">
+                <a:solidFill>
+                  <a:srgbClr val="00B050"/>
+                </a:solidFill>
+                <a:latin typeface="宋体" panose="02010600030101010101" pitchFamily="2" charset="-122"/>
+                <a:ea typeface="宋体" panose="02010600030101010101" pitchFamily="2" charset="-122"/>
+                <a:cs typeface="宋体" panose="02010600030101010101" pitchFamily="2" charset="-122"/>
+              </a:rPr>
+              <a:t>springmvc</a:t>
+            </a:r>
+            <a:endParaRPr lang="en-US" altLang="zh-CN" sz="1400" b="1">
+              <a:solidFill>
+                <a:srgbClr val="00B050"/>
+              </a:solidFill>
+              <a:latin typeface="宋体" panose="02010600030101010101" pitchFamily="2" charset="-122"/>
+              <a:ea typeface="宋体" panose="02010600030101010101" pitchFamily="2" charset="-122"/>
+              <a:cs typeface="宋体" panose="02010600030101010101" pitchFamily="2" charset="-122"/>
+            </a:endParaRPr>
+          </a:p>
+        </p:txBody>
+      </p:sp>
+      <p:sp>
+        <p:nvSpPr>
+          <p:cNvPr id="67" name="矩形 66"/>
+          <p:cNvSpPr/>
+          <p:nvPr/>
+        </p:nvSpPr>
+        <p:spPr>
+          <a:xfrm>
+            <a:off x="5846445" y="3872865"/>
+            <a:ext cx="956945" cy="364490"/>
+          </a:xfrm>
+          <a:prstGeom prst="rect">
+            <a:avLst/>
+          </a:prstGeom>
+          <a:noFill/>
+          <a:ln w="28575">
+            <a:solidFill>
+              <a:srgbClr val="55D9FF"/>
+            </a:solidFill>
+          </a:ln>
+          <a:extLst>
+            <a:ext uri="{909E8E84-426E-40DD-AFC4-6F175D3DCCD1}">
+              <a14:hiddenFill xmlns:a14="http://schemas.microsoft.com/office/drawing/2010/main">
+                <a:solidFill>
+                  <a:schemeClr val="accent1"/>
+                </a:solidFill>
+              </a14:hiddenFill>
+            </a:ext>
+          </a:extLst>
+        </p:spPr>
+        <p:style>
+          <a:lnRef idx="2">
+            <a:schemeClr val="accent1">
+              <a:shade val="50000"/>
+            </a:schemeClr>
+          </a:lnRef>
+          <a:fillRef idx="1">
+            <a:schemeClr val="accent1"/>
+          </a:fillRef>
+          <a:effectRef idx="0">
+            <a:schemeClr val="accent1"/>
+          </a:effectRef>
+          <a:fontRef idx="minor">
+            <a:schemeClr val="lt1"/>
+          </a:fontRef>
+        </p:style>
+        <p:txBody>
+          <a:bodyPr rtlCol="0" anchor="ctr"/>
+          <a:p>
+            <a:pPr algn="ctr"/>
+            <a:r>
+              <a:rPr lang="en-US" altLang="zh-CN" sz="1400" b="1">
+                <a:solidFill>
+                  <a:srgbClr val="00B050"/>
+                </a:solidFill>
+                <a:latin typeface="宋体" panose="02010600030101010101" pitchFamily="2" charset="-122"/>
+                <a:ea typeface="宋体" panose="02010600030101010101" pitchFamily="2" charset="-122"/>
+                <a:cs typeface="宋体" panose="02010600030101010101" pitchFamily="2" charset="-122"/>
+              </a:rPr>
+              <a:t>ssm</a:t>
+            </a:r>
+            <a:endParaRPr lang="en-US" altLang="zh-CN" sz="1400" b="1">
+              <a:solidFill>
+                <a:srgbClr val="00B050"/>
+              </a:solidFill>
+              <a:latin typeface="宋体" panose="02010600030101010101" pitchFamily="2" charset="-122"/>
+              <a:ea typeface="宋体" panose="02010600030101010101" pitchFamily="2" charset="-122"/>
+              <a:cs typeface="宋体" panose="02010600030101010101" pitchFamily="2" charset="-122"/>
+            </a:endParaRPr>
+          </a:p>
+        </p:txBody>
+      </p:sp>
+      <p:sp>
+        <p:nvSpPr>
+          <p:cNvPr id="68" name="矩形 67"/>
+          <p:cNvSpPr/>
+          <p:nvPr/>
+        </p:nvSpPr>
+        <p:spPr>
+          <a:xfrm>
+            <a:off x="8422640" y="3872865"/>
+            <a:ext cx="956945" cy="364490"/>
+          </a:xfrm>
+          <a:prstGeom prst="rect">
+            <a:avLst/>
+          </a:prstGeom>
+          <a:noFill/>
+          <a:ln w="28575">
+            <a:solidFill>
+              <a:srgbClr val="55D9FF"/>
+            </a:solidFill>
+          </a:ln>
+          <a:extLst>
+            <a:ext uri="{909E8E84-426E-40DD-AFC4-6F175D3DCCD1}">
+              <a14:hiddenFill xmlns:a14="http://schemas.microsoft.com/office/drawing/2010/main">
+                <a:solidFill>
+                  <a:schemeClr val="accent1"/>
+                </a:solidFill>
+              </a14:hiddenFill>
+            </a:ext>
+          </a:extLst>
+        </p:spPr>
+        <p:style>
+          <a:lnRef idx="2">
+            <a:schemeClr val="accent1">
+              <a:shade val="50000"/>
+            </a:schemeClr>
+          </a:lnRef>
+          <a:fillRef idx="1">
+            <a:schemeClr val="accent1"/>
+          </a:fillRef>
+          <a:effectRef idx="0">
+            <a:schemeClr val="accent1"/>
+          </a:effectRef>
+          <a:fontRef idx="minor">
+            <a:schemeClr val="lt1"/>
+          </a:fontRef>
+        </p:style>
+        <p:txBody>
+          <a:bodyPr rtlCol="0" anchor="ctr"/>
+          <a:p>
+            <a:pPr algn="ctr"/>
+            <a:r>
+              <a:rPr lang="en-US" altLang="zh-CN" sz="1400" b="1">
+                <a:solidFill>
+                  <a:srgbClr val="00B050"/>
+                </a:solidFill>
+                <a:latin typeface="宋体" panose="02010600030101010101" pitchFamily="2" charset="-122"/>
+                <a:ea typeface="宋体" panose="02010600030101010101" pitchFamily="2" charset="-122"/>
+                <a:cs typeface="宋体" panose="02010600030101010101" pitchFamily="2" charset="-122"/>
+              </a:rPr>
+              <a:t>maven</a:t>
+            </a:r>
+            <a:endParaRPr lang="en-US" altLang="zh-CN" sz="1400" b="1">
+              <a:solidFill>
+                <a:srgbClr val="00B050"/>
+              </a:solidFill>
+              <a:latin typeface="宋体" panose="02010600030101010101" pitchFamily="2" charset="-122"/>
+              <a:ea typeface="宋体" panose="02010600030101010101" pitchFamily="2" charset="-122"/>
+              <a:cs typeface="宋体" panose="02010600030101010101" pitchFamily="2" charset="-122"/>
+            </a:endParaRPr>
+          </a:p>
+        </p:txBody>
+      </p:sp>
+      <p:sp>
+        <p:nvSpPr>
+          <p:cNvPr id="69" name="矩形 68"/>
+          <p:cNvSpPr/>
+          <p:nvPr/>
+        </p:nvSpPr>
+        <p:spPr>
+          <a:xfrm>
+            <a:off x="7033895" y="3872865"/>
+            <a:ext cx="1158240" cy="364490"/>
+          </a:xfrm>
+          <a:prstGeom prst="rect">
+            <a:avLst/>
+          </a:prstGeom>
+          <a:noFill/>
+          <a:ln w="28575">
+            <a:solidFill>
+              <a:srgbClr val="55D9FF"/>
+            </a:solidFill>
+          </a:ln>
+          <a:extLst>
+            <a:ext uri="{909E8E84-426E-40DD-AFC4-6F175D3DCCD1}">
+              <a14:hiddenFill xmlns:a14="http://schemas.microsoft.com/office/drawing/2010/main">
+                <a:solidFill>
+                  <a:schemeClr val="accent1"/>
+                </a:solidFill>
+              </a14:hiddenFill>
+            </a:ext>
+          </a:extLst>
+        </p:spPr>
+        <p:style>
+          <a:lnRef idx="2">
+            <a:schemeClr val="accent1">
+              <a:shade val="50000"/>
+            </a:schemeClr>
+          </a:lnRef>
+          <a:fillRef idx="1">
+            <a:schemeClr val="accent1"/>
+          </a:fillRef>
+          <a:effectRef idx="0">
+            <a:schemeClr val="accent1"/>
+          </a:effectRef>
+          <a:fontRef idx="minor">
+            <a:schemeClr val="lt1"/>
+          </a:fontRef>
+        </p:style>
+        <p:txBody>
+          <a:bodyPr rtlCol="0" anchor="ctr"/>
+          <a:p>
+            <a:pPr algn="ctr"/>
+            <a:r>
+              <a:rPr lang="en-US" altLang="zh-CN" sz="1400" b="1">
+                <a:solidFill>
+                  <a:srgbClr val="00B050"/>
+                </a:solidFill>
+                <a:latin typeface="宋体" panose="02010600030101010101" pitchFamily="2" charset="-122"/>
+                <a:ea typeface="宋体" panose="02010600030101010101" pitchFamily="2" charset="-122"/>
+                <a:cs typeface="宋体" panose="02010600030101010101" pitchFamily="2" charset="-122"/>
+              </a:rPr>
+              <a:t>springboot</a:t>
+            </a:r>
+            <a:endParaRPr lang="en-US" altLang="zh-CN" sz="1400" b="1">
+              <a:solidFill>
+                <a:srgbClr val="00B050"/>
+              </a:solidFill>
+              <a:latin typeface="宋体" panose="02010600030101010101" pitchFamily="2" charset="-122"/>
+              <a:ea typeface="宋体" panose="02010600030101010101" pitchFamily="2" charset="-122"/>
+              <a:cs typeface="宋体" panose="02010600030101010101" pitchFamily="2" charset="-122"/>
+            </a:endParaRPr>
+          </a:p>
+        </p:txBody>
+      </p:sp>
+      <p:sp>
+        <p:nvSpPr>
+          <p:cNvPr id="70" name="矩形 69"/>
+          <p:cNvSpPr/>
+          <p:nvPr/>
+        </p:nvSpPr>
+        <p:spPr>
+          <a:xfrm>
+            <a:off x="5846445" y="2785110"/>
+            <a:ext cx="1176020" cy="364490"/>
+          </a:xfrm>
+          <a:prstGeom prst="rect">
+            <a:avLst/>
+          </a:prstGeom>
+          <a:noFill/>
+          <a:ln w="28575">
+            <a:solidFill>
+              <a:srgbClr val="55D9FF"/>
+            </a:solidFill>
+          </a:ln>
+          <a:extLst>
+            <a:ext uri="{909E8E84-426E-40DD-AFC4-6F175D3DCCD1}">
+              <a14:hiddenFill xmlns:a14="http://schemas.microsoft.com/office/drawing/2010/main">
+                <a:solidFill>
+                  <a:schemeClr val="accent1"/>
+                </a:solidFill>
+              </a14:hiddenFill>
+            </a:ext>
+          </a:extLst>
+        </p:spPr>
+        <p:style>
+          <a:lnRef idx="2">
+            <a:schemeClr val="accent1">
+              <a:shade val="50000"/>
+            </a:schemeClr>
+          </a:lnRef>
+          <a:fillRef idx="1">
+            <a:schemeClr val="accent1"/>
+          </a:fillRef>
+          <a:effectRef idx="0">
+            <a:schemeClr val="accent1"/>
+          </a:effectRef>
+          <a:fontRef idx="minor">
+            <a:schemeClr val="lt1"/>
+          </a:fontRef>
+        </p:style>
+        <p:txBody>
+          <a:bodyPr rtlCol="0" anchor="ctr"/>
+          <a:p>
+            <a:pPr algn="ctr"/>
+            <a:r>
+              <a:rPr lang="en-US" altLang="zh-CN" sz="1400" b="1">
+                <a:solidFill>
+                  <a:srgbClr val="00B050"/>
+                </a:solidFill>
+                <a:latin typeface="宋体" panose="02010600030101010101" pitchFamily="2" charset="-122"/>
+                <a:ea typeface="宋体" panose="02010600030101010101" pitchFamily="2" charset="-122"/>
+                <a:cs typeface="宋体" panose="02010600030101010101" pitchFamily="2" charset="-122"/>
+              </a:rPr>
+              <a:t>jquery</a:t>
+            </a:r>
+            <a:endParaRPr lang="en-US" altLang="zh-CN" sz="1400" b="1">
+              <a:solidFill>
+                <a:srgbClr val="00B050"/>
+              </a:solidFill>
+              <a:latin typeface="宋体" panose="02010600030101010101" pitchFamily="2" charset="-122"/>
+              <a:ea typeface="宋体" panose="02010600030101010101" pitchFamily="2" charset="-122"/>
+              <a:cs typeface="宋体" panose="02010600030101010101" pitchFamily="2" charset="-122"/>
+            </a:endParaRPr>
+          </a:p>
+        </p:txBody>
+      </p:sp>
+      <p:sp>
+        <p:nvSpPr>
+          <p:cNvPr id="71" name="矩形 70"/>
+          <p:cNvSpPr/>
+          <p:nvPr/>
+        </p:nvSpPr>
+        <p:spPr>
+          <a:xfrm>
+            <a:off x="9686290" y="3872865"/>
+            <a:ext cx="956945" cy="364490"/>
+          </a:xfrm>
+          <a:prstGeom prst="rect">
+            <a:avLst/>
+          </a:prstGeom>
+          <a:noFill/>
+          <a:ln w="28575">
+            <a:solidFill>
+              <a:srgbClr val="55D9FF"/>
+            </a:solidFill>
+          </a:ln>
+          <a:extLst>
+            <a:ext uri="{909E8E84-426E-40DD-AFC4-6F175D3DCCD1}">
+              <a14:hiddenFill xmlns:a14="http://schemas.microsoft.com/office/drawing/2010/main">
+                <a:solidFill>
+                  <a:schemeClr val="accent1"/>
+                </a:solidFill>
+              </a14:hiddenFill>
+            </a:ext>
+          </a:extLst>
+        </p:spPr>
+        <p:style>
+          <a:lnRef idx="2">
+            <a:schemeClr val="accent1">
+              <a:shade val="50000"/>
+            </a:schemeClr>
+          </a:lnRef>
+          <a:fillRef idx="1">
+            <a:schemeClr val="accent1"/>
+          </a:fillRef>
+          <a:effectRef idx="0">
+            <a:schemeClr val="accent1"/>
+          </a:effectRef>
+          <a:fontRef idx="minor">
+            <a:schemeClr val="lt1"/>
+          </a:fontRef>
+        </p:style>
+        <p:txBody>
+          <a:bodyPr rtlCol="0" anchor="ctr"/>
+          <a:p>
+            <a:pPr algn="ctr"/>
+            <a:r>
+              <a:rPr lang="en-US" altLang="zh-CN" sz="1400" b="1">
+                <a:solidFill>
+                  <a:srgbClr val="00B050"/>
+                </a:solidFill>
+                <a:latin typeface="宋体" panose="02010600030101010101" pitchFamily="2" charset="-122"/>
+                <a:ea typeface="宋体" panose="02010600030101010101" pitchFamily="2" charset="-122"/>
+                <a:cs typeface="宋体" panose="02010600030101010101" pitchFamily="2" charset="-122"/>
+              </a:rPr>
+              <a:t>vue</a:t>
+            </a:r>
+            <a:endParaRPr lang="en-US" altLang="zh-CN" sz="1400" b="1">
+              <a:solidFill>
+                <a:srgbClr val="00B050"/>
+              </a:solidFill>
+              <a:latin typeface="宋体" panose="02010600030101010101" pitchFamily="2" charset="-122"/>
+              <a:ea typeface="宋体" panose="02010600030101010101" pitchFamily="2" charset="-122"/>
+              <a:cs typeface="宋体" panose="02010600030101010101" pitchFamily="2" charset="-122"/>
+            </a:endParaRPr>
+          </a:p>
+        </p:txBody>
+      </p:sp>
+      <p:sp>
+        <p:nvSpPr>
+          <p:cNvPr id="72" name="矩形 71"/>
+          <p:cNvSpPr/>
+          <p:nvPr/>
+        </p:nvSpPr>
+        <p:spPr>
+          <a:xfrm>
+            <a:off x="9686290" y="3346450"/>
+            <a:ext cx="956945" cy="364490"/>
+          </a:xfrm>
+          <a:prstGeom prst="rect">
+            <a:avLst/>
+          </a:prstGeom>
+          <a:noFill/>
+          <a:ln w="28575">
+            <a:solidFill>
+              <a:srgbClr val="55D9FF"/>
+            </a:solidFill>
+          </a:ln>
+          <a:extLst>
+            <a:ext uri="{909E8E84-426E-40DD-AFC4-6F175D3DCCD1}">
+              <a14:hiddenFill xmlns:a14="http://schemas.microsoft.com/office/drawing/2010/main">
+                <a:solidFill>
+                  <a:schemeClr val="accent1"/>
+                </a:solidFill>
+              </a14:hiddenFill>
+            </a:ext>
+          </a:extLst>
+        </p:spPr>
+        <p:style>
+          <a:lnRef idx="2">
+            <a:schemeClr val="accent1">
+              <a:shade val="50000"/>
+            </a:schemeClr>
+          </a:lnRef>
+          <a:fillRef idx="1">
+            <a:schemeClr val="accent1"/>
+          </a:fillRef>
+          <a:effectRef idx="0">
+            <a:schemeClr val="accent1"/>
+          </a:effectRef>
+          <a:fontRef idx="minor">
+            <a:schemeClr val="lt1"/>
+          </a:fontRef>
+        </p:style>
+        <p:txBody>
+          <a:bodyPr rtlCol="0" anchor="ctr"/>
+          <a:p>
+            <a:pPr algn="ctr"/>
+            <a:r>
+              <a:rPr lang="en-US" altLang="zh-CN" sz="1400" b="1">
+                <a:solidFill>
+                  <a:srgbClr val="00B050"/>
+                </a:solidFill>
+                <a:latin typeface="宋体" panose="02010600030101010101" pitchFamily="2" charset="-122"/>
+                <a:ea typeface="宋体" panose="02010600030101010101" pitchFamily="2" charset="-122"/>
+                <a:cs typeface="宋体" panose="02010600030101010101" pitchFamily="2" charset="-122"/>
+              </a:rPr>
+              <a:t>tomcat</a:t>
+            </a:r>
+            <a:endParaRPr lang="en-US" altLang="zh-CN" sz="1400" b="1">
+              <a:solidFill>
+                <a:srgbClr val="00B050"/>
+              </a:solidFill>
+              <a:latin typeface="宋体" panose="02010600030101010101" pitchFamily="2" charset="-122"/>
+              <a:ea typeface="宋体" panose="02010600030101010101" pitchFamily="2" charset="-122"/>
+              <a:cs typeface="宋体" panose="02010600030101010101" pitchFamily="2" charset="-122"/>
+            </a:endParaRPr>
+          </a:p>
+        </p:txBody>
+      </p:sp>
+      <p:sp>
+        <p:nvSpPr>
+          <p:cNvPr id="73" name="矩形 72"/>
+          <p:cNvSpPr/>
+          <p:nvPr/>
+        </p:nvSpPr>
+        <p:spPr>
+          <a:xfrm>
+            <a:off x="1988185" y="4712970"/>
+            <a:ext cx="956945" cy="364490"/>
+          </a:xfrm>
+          <a:prstGeom prst="rect">
+            <a:avLst/>
+          </a:prstGeom>
+          <a:noFill/>
+          <a:ln w="28575">
+            <a:solidFill>
+              <a:srgbClr val="55D9FF"/>
+            </a:solidFill>
+          </a:ln>
+          <a:extLst>
+            <a:ext uri="{909E8E84-426E-40DD-AFC4-6F175D3DCCD1}">
+              <a14:hiddenFill xmlns:a14="http://schemas.microsoft.com/office/drawing/2010/main">
+                <a:solidFill>
+                  <a:schemeClr val="accent1"/>
+                </a:solidFill>
+              </a14:hiddenFill>
+            </a:ext>
+          </a:extLst>
+        </p:spPr>
+        <p:style>
+          <a:lnRef idx="2">
+            <a:schemeClr val="accent1">
+              <a:shade val="50000"/>
+            </a:schemeClr>
+          </a:lnRef>
+          <a:fillRef idx="1">
+            <a:schemeClr val="accent1"/>
+          </a:fillRef>
+          <a:effectRef idx="0">
+            <a:schemeClr val="accent1"/>
+          </a:effectRef>
+          <a:fontRef idx="minor">
+            <a:schemeClr val="lt1"/>
+          </a:fontRef>
+        </p:style>
+        <p:txBody>
+          <a:bodyPr rtlCol="0" anchor="ctr"/>
+          <a:p>
+            <a:pPr algn="ctr"/>
+            <a:r>
+              <a:rPr lang="en-US" altLang="zh-CN" sz="1400" b="1">
+                <a:solidFill>
+                  <a:srgbClr val="00B050"/>
+                </a:solidFill>
+                <a:latin typeface="宋体" panose="02010600030101010101" pitchFamily="2" charset="-122"/>
+                <a:ea typeface="宋体" panose="02010600030101010101" pitchFamily="2" charset="-122"/>
+                <a:cs typeface="宋体" panose="02010600030101010101" pitchFamily="2" charset="-122"/>
+              </a:rPr>
+              <a:t>tomcat</a:t>
+            </a:r>
+            <a:endParaRPr lang="en-US" altLang="zh-CN" sz="1400" b="1">
+              <a:solidFill>
+                <a:srgbClr val="00B050"/>
+              </a:solidFill>
+              <a:latin typeface="宋体" panose="02010600030101010101" pitchFamily="2" charset="-122"/>
+              <a:ea typeface="宋体" panose="02010600030101010101" pitchFamily="2" charset="-122"/>
+              <a:cs typeface="宋体" panose="02010600030101010101" pitchFamily="2" charset="-122"/>
+            </a:endParaRPr>
+          </a:p>
+        </p:txBody>
+      </p:sp>
+      <p:sp>
+        <p:nvSpPr>
+          <p:cNvPr id="74" name="矩形 73"/>
+          <p:cNvSpPr/>
+          <p:nvPr/>
+        </p:nvSpPr>
+        <p:spPr>
+          <a:xfrm>
+            <a:off x="3279775" y="4712970"/>
+            <a:ext cx="956945" cy="364490"/>
+          </a:xfrm>
+          <a:prstGeom prst="rect">
+            <a:avLst/>
+          </a:prstGeom>
+          <a:noFill/>
+          <a:ln w="28575">
+            <a:solidFill>
+              <a:srgbClr val="55D9FF"/>
+            </a:solidFill>
+          </a:ln>
+          <a:extLst>
+            <a:ext uri="{909E8E84-426E-40DD-AFC4-6F175D3DCCD1}">
+              <a14:hiddenFill xmlns:a14="http://schemas.microsoft.com/office/drawing/2010/main">
+                <a:solidFill>
+                  <a:schemeClr val="accent1"/>
+                </a:solidFill>
+              </a14:hiddenFill>
+            </a:ext>
+          </a:extLst>
+        </p:spPr>
+        <p:style>
+          <a:lnRef idx="2">
+            <a:schemeClr val="accent1">
+              <a:shade val="50000"/>
+            </a:schemeClr>
+          </a:lnRef>
+          <a:fillRef idx="1">
+            <a:schemeClr val="accent1"/>
+          </a:fillRef>
+          <a:effectRef idx="0">
+            <a:schemeClr val="accent1"/>
+          </a:effectRef>
+          <a:fontRef idx="minor">
+            <a:schemeClr val="lt1"/>
+          </a:fontRef>
+        </p:style>
+        <p:txBody>
+          <a:bodyPr rtlCol="0" anchor="ctr"/>
+          <a:p>
+            <a:pPr algn="ctr"/>
+            <a:r>
+              <a:rPr lang="en-US" altLang="zh-CN" sz="1400" b="1">
+                <a:solidFill>
+                  <a:srgbClr val="00B050"/>
+                </a:solidFill>
+                <a:latin typeface="宋体" panose="02010600030101010101" pitchFamily="2" charset="-122"/>
+                <a:ea typeface="宋体" panose="02010600030101010101" pitchFamily="2" charset="-122"/>
+                <a:cs typeface="宋体" panose="02010600030101010101" pitchFamily="2" charset="-122"/>
+              </a:rPr>
+              <a:t>nginx</a:t>
+            </a:r>
+            <a:endParaRPr lang="en-US" altLang="zh-CN" sz="1400" b="1">
+              <a:solidFill>
+                <a:srgbClr val="00B050"/>
+              </a:solidFill>
+              <a:latin typeface="宋体" panose="02010600030101010101" pitchFamily="2" charset="-122"/>
+              <a:ea typeface="宋体" panose="02010600030101010101" pitchFamily="2" charset="-122"/>
+              <a:cs typeface="宋体" panose="02010600030101010101" pitchFamily="2" charset="-122"/>
+            </a:endParaRPr>
+          </a:p>
+        </p:txBody>
+      </p:sp>
+      <p:sp>
+        <p:nvSpPr>
+          <p:cNvPr id="75" name="矩形 74"/>
+          <p:cNvSpPr/>
+          <p:nvPr/>
+        </p:nvSpPr>
+        <p:spPr>
+          <a:xfrm>
+            <a:off x="1988185" y="5306060"/>
+            <a:ext cx="1291590" cy="364490"/>
+          </a:xfrm>
+          <a:prstGeom prst="rect">
+            <a:avLst/>
+          </a:prstGeom>
+          <a:noFill/>
+          <a:ln w="28575">
+            <a:solidFill>
+              <a:srgbClr val="55D9FF"/>
+            </a:solidFill>
+          </a:ln>
+          <a:extLst>
+            <a:ext uri="{909E8E84-426E-40DD-AFC4-6F175D3DCCD1}">
+              <a14:hiddenFill xmlns:a14="http://schemas.microsoft.com/office/drawing/2010/main">
+                <a:solidFill>
+                  <a:schemeClr val="accent1"/>
+                </a:solidFill>
+              </a14:hiddenFill>
+            </a:ext>
+          </a:extLst>
+        </p:spPr>
+        <p:style>
+          <a:lnRef idx="2">
+            <a:schemeClr val="accent1">
+              <a:shade val="50000"/>
+            </a:schemeClr>
+          </a:lnRef>
+          <a:fillRef idx="1">
+            <a:schemeClr val="accent1"/>
+          </a:fillRef>
+          <a:effectRef idx="0">
+            <a:schemeClr val="accent1"/>
+          </a:effectRef>
+          <a:fontRef idx="minor">
+            <a:schemeClr val="lt1"/>
+          </a:fontRef>
+        </p:style>
+        <p:txBody>
+          <a:bodyPr rtlCol="0" anchor="ctr"/>
+          <a:p>
+            <a:pPr algn="ctr"/>
+            <a:r>
+              <a:rPr lang="zh-CN" altLang="en-US" sz="1400" b="1">
+                <a:solidFill>
+                  <a:srgbClr val="00B050"/>
+                </a:solidFill>
+                <a:latin typeface="宋体" panose="02010600030101010101" pitchFamily="2" charset="-122"/>
+                <a:ea typeface="宋体" panose="02010600030101010101" pitchFamily="2" charset="-122"/>
+                <a:cs typeface="宋体" panose="02010600030101010101" pitchFamily="2" charset="-122"/>
+              </a:rPr>
+              <a:t>商城项目实战</a:t>
+            </a:r>
+            <a:endParaRPr lang="zh-CN" altLang="en-US" sz="1400" b="1">
+              <a:solidFill>
+                <a:srgbClr val="00B050"/>
+              </a:solidFill>
+              <a:latin typeface="宋体" panose="02010600030101010101" pitchFamily="2" charset="-122"/>
+              <a:ea typeface="宋体" panose="02010600030101010101" pitchFamily="2" charset="-122"/>
+              <a:cs typeface="宋体" panose="02010600030101010101" pitchFamily="2" charset="-122"/>
+            </a:endParaRPr>
+          </a:p>
+        </p:txBody>
+      </p:sp>
+      <p:cxnSp>
+        <p:nvCxnSpPr>
+          <p:cNvPr id="76" name="直接连接符 75"/>
+          <p:cNvCxnSpPr/>
+          <p:nvPr/>
+        </p:nvCxnSpPr>
+        <p:spPr>
+          <a:xfrm>
+            <a:off x="393700" y="5899150"/>
+            <a:ext cx="11411585" cy="0"/>
+          </a:xfrm>
+          <a:prstGeom prst="line">
+            <a:avLst/>
+          </a:prstGeom>
+          <a:ln w="19050">
+            <a:prstDash val="dash"/>
+          </a:ln>
+        </p:spPr>
+        <p:style>
+          <a:lnRef idx="1">
+            <a:schemeClr val="accent1"/>
+          </a:lnRef>
+          <a:fillRef idx="0">
+            <a:schemeClr val="accent1"/>
+          </a:fillRef>
+          <a:effectRef idx="0">
+            <a:schemeClr val="accent1"/>
+          </a:effectRef>
+          <a:fontRef idx="minor">
+            <a:schemeClr val="tx1"/>
+          </a:fontRef>
+        </p:style>
+      </p:cxnSp>
+      <p:sp>
+        <p:nvSpPr>
+          <p:cNvPr id="79" name="矩形 78"/>
+          <p:cNvSpPr/>
+          <p:nvPr/>
+        </p:nvSpPr>
+        <p:spPr>
+          <a:xfrm>
+            <a:off x="1988185" y="6097270"/>
+            <a:ext cx="956945" cy="364490"/>
+          </a:xfrm>
+          <a:prstGeom prst="rect">
+            <a:avLst/>
+          </a:prstGeom>
+          <a:noFill/>
+          <a:ln w="28575">
+            <a:solidFill>
+              <a:srgbClr val="55D9FF"/>
+            </a:solidFill>
+          </a:ln>
+          <a:extLst>
+            <a:ext uri="{909E8E84-426E-40DD-AFC4-6F175D3DCCD1}">
+              <a14:hiddenFill xmlns:a14="http://schemas.microsoft.com/office/drawing/2010/main">
+                <a:solidFill>
+                  <a:schemeClr val="accent1"/>
+                </a:solidFill>
+              </a14:hiddenFill>
+            </a:ext>
+          </a:extLst>
+        </p:spPr>
+        <p:style>
+          <a:lnRef idx="2">
+            <a:schemeClr val="accent1">
+              <a:shade val="50000"/>
+            </a:schemeClr>
+          </a:lnRef>
+          <a:fillRef idx="1">
+            <a:schemeClr val="accent1"/>
+          </a:fillRef>
+          <a:effectRef idx="0">
+            <a:schemeClr val="accent1"/>
+          </a:effectRef>
+          <a:fontRef idx="minor">
+            <a:schemeClr val="lt1"/>
+          </a:fontRef>
+        </p:style>
+        <p:txBody>
+          <a:bodyPr rtlCol="0" anchor="ctr"/>
+          <a:p>
+            <a:pPr algn="ctr"/>
+            <a:r>
+              <a:rPr lang="en-US" altLang="zh-CN" sz="1400" b="1">
+                <a:solidFill>
+                  <a:srgbClr val="00B050"/>
+                </a:solidFill>
+                <a:latin typeface="宋体" panose="02010600030101010101" pitchFamily="2" charset="-122"/>
+                <a:ea typeface="宋体" panose="02010600030101010101" pitchFamily="2" charset="-122"/>
+                <a:cs typeface="宋体" panose="02010600030101010101" pitchFamily="2" charset="-122"/>
+              </a:rPr>
+              <a:t>redis</a:t>
+            </a:r>
+            <a:endParaRPr lang="en-US" altLang="zh-CN" sz="1400" b="1">
+              <a:solidFill>
+                <a:srgbClr val="00B050"/>
+              </a:solidFill>
+              <a:latin typeface="宋体" panose="02010600030101010101" pitchFamily="2" charset="-122"/>
+              <a:ea typeface="宋体" panose="02010600030101010101" pitchFamily="2" charset="-122"/>
+              <a:cs typeface="宋体" panose="02010600030101010101" pitchFamily="2" charset="-122"/>
+            </a:endParaRPr>
+          </a:p>
+        </p:txBody>
+      </p:sp>
+      <p:sp>
+        <p:nvSpPr>
+          <p:cNvPr id="80" name="矩形 79"/>
+          <p:cNvSpPr/>
+          <p:nvPr/>
+        </p:nvSpPr>
+        <p:spPr>
+          <a:xfrm>
+            <a:off x="3279775" y="6101080"/>
+            <a:ext cx="956945" cy="364490"/>
+          </a:xfrm>
+          <a:prstGeom prst="rect">
+            <a:avLst/>
+          </a:prstGeom>
+          <a:noFill/>
+          <a:ln w="28575">
+            <a:solidFill>
+              <a:srgbClr val="55D9FF"/>
+            </a:solidFill>
+          </a:ln>
+          <a:extLst>
+            <a:ext uri="{909E8E84-426E-40DD-AFC4-6F175D3DCCD1}">
+              <a14:hiddenFill xmlns:a14="http://schemas.microsoft.com/office/drawing/2010/main">
+                <a:solidFill>
+                  <a:schemeClr val="accent1"/>
+                </a:solidFill>
+              </a14:hiddenFill>
+            </a:ext>
+          </a:extLst>
+        </p:spPr>
+        <p:style>
+          <a:lnRef idx="2">
+            <a:schemeClr val="accent1">
+              <a:shade val="50000"/>
+            </a:schemeClr>
+          </a:lnRef>
+          <a:fillRef idx="1">
+            <a:schemeClr val="accent1"/>
+          </a:fillRef>
+          <a:effectRef idx="0">
+            <a:schemeClr val="accent1"/>
+          </a:effectRef>
+          <a:fontRef idx="minor">
+            <a:schemeClr val="lt1"/>
+          </a:fontRef>
+        </p:style>
+        <p:txBody>
+          <a:bodyPr rtlCol="0" anchor="ctr"/>
+          <a:p>
+            <a:pPr algn="ctr"/>
+            <a:r>
+              <a:rPr lang="en-US" altLang="zh-CN" sz="1400" b="1">
+                <a:solidFill>
+                  <a:srgbClr val="00B050"/>
+                </a:solidFill>
+                <a:latin typeface="宋体" panose="02010600030101010101" pitchFamily="2" charset="-122"/>
+                <a:ea typeface="宋体" panose="02010600030101010101" pitchFamily="2" charset="-122"/>
+                <a:cs typeface="宋体" panose="02010600030101010101" pitchFamily="2" charset="-122"/>
+              </a:rPr>
+              <a:t>quartz</a:t>
+            </a:r>
+            <a:endParaRPr lang="en-US" altLang="zh-CN" sz="1400" b="1">
+              <a:solidFill>
+                <a:srgbClr val="00B050"/>
+              </a:solidFill>
+              <a:latin typeface="宋体" panose="02010600030101010101" pitchFamily="2" charset="-122"/>
+              <a:ea typeface="宋体" panose="02010600030101010101" pitchFamily="2" charset="-122"/>
+              <a:cs typeface="宋体" panose="02010600030101010101" pitchFamily="2" charset="-122"/>
+            </a:endParaRPr>
+          </a:p>
+        </p:txBody>
+      </p:sp>
+      <p:sp>
+        <p:nvSpPr>
+          <p:cNvPr id="81" name="矩形 80"/>
+          <p:cNvSpPr/>
+          <p:nvPr/>
+        </p:nvSpPr>
+        <p:spPr>
+          <a:xfrm>
+            <a:off x="4569460" y="6101080"/>
+            <a:ext cx="956945" cy="364490"/>
+          </a:xfrm>
+          <a:prstGeom prst="rect">
+            <a:avLst/>
+          </a:prstGeom>
+          <a:noFill/>
+          <a:ln w="28575">
+            <a:solidFill>
+              <a:srgbClr val="55D9FF"/>
+            </a:solidFill>
+          </a:ln>
+          <a:extLst>
+            <a:ext uri="{909E8E84-426E-40DD-AFC4-6F175D3DCCD1}">
+              <a14:hiddenFill xmlns:a14="http://schemas.microsoft.com/office/drawing/2010/main">
+                <a:solidFill>
+                  <a:schemeClr val="accent1"/>
+                </a:solidFill>
+              </a14:hiddenFill>
+            </a:ext>
+          </a:extLst>
+        </p:spPr>
+        <p:style>
+          <a:lnRef idx="2">
+            <a:schemeClr val="accent1">
+              <a:shade val="50000"/>
+            </a:schemeClr>
+          </a:lnRef>
+          <a:fillRef idx="1">
+            <a:schemeClr val="accent1"/>
+          </a:fillRef>
+          <a:effectRef idx="0">
+            <a:schemeClr val="accent1"/>
+          </a:effectRef>
+          <a:fontRef idx="minor">
+            <a:schemeClr val="lt1"/>
+          </a:fontRef>
+        </p:style>
+        <p:txBody>
+          <a:bodyPr rtlCol="0" anchor="ctr"/>
+          <a:p>
+            <a:pPr algn="ctr"/>
+            <a:r>
+              <a:rPr lang="en-US" altLang="zh-CN" sz="1400" b="1">
+                <a:solidFill>
+                  <a:srgbClr val="00B050"/>
+                </a:solidFill>
+                <a:latin typeface="宋体" panose="02010600030101010101" pitchFamily="2" charset="-122"/>
+                <a:ea typeface="宋体" panose="02010600030101010101" pitchFamily="2" charset="-122"/>
+                <a:cs typeface="宋体" panose="02010600030101010101" pitchFamily="2" charset="-122"/>
+              </a:rPr>
+              <a:t>kafka</a:t>
+            </a:r>
+            <a:endParaRPr lang="en-US" altLang="zh-CN" sz="1400" b="1">
+              <a:solidFill>
+                <a:srgbClr val="00B050"/>
+              </a:solidFill>
+              <a:latin typeface="宋体" panose="02010600030101010101" pitchFamily="2" charset="-122"/>
+              <a:ea typeface="宋体" panose="02010600030101010101" pitchFamily="2" charset="-122"/>
+              <a:cs typeface="宋体" panose="02010600030101010101" pitchFamily="2" charset="-122"/>
+            </a:endParaRPr>
+          </a:p>
+        </p:txBody>
+      </p:sp>
+      <p:sp>
+        <p:nvSpPr>
+          <p:cNvPr id="82" name="矩形 81"/>
+          <p:cNvSpPr/>
+          <p:nvPr/>
+        </p:nvSpPr>
+        <p:spPr>
+          <a:xfrm>
+            <a:off x="5861050" y="6101080"/>
+            <a:ext cx="1365250" cy="364490"/>
+          </a:xfrm>
+          <a:prstGeom prst="rect">
+            <a:avLst/>
+          </a:prstGeom>
+          <a:noFill/>
+          <a:ln w="28575">
+            <a:solidFill>
+              <a:srgbClr val="55D9FF"/>
+            </a:solidFill>
+          </a:ln>
+          <a:extLst>
+            <a:ext uri="{909E8E84-426E-40DD-AFC4-6F175D3DCCD1}">
+              <a14:hiddenFill xmlns:a14="http://schemas.microsoft.com/office/drawing/2010/main">
+                <a:solidFill>
+                  <a:schemeClr val="accent1"/>
+                </a:solidFill>
+              </a14:hiddenFill>
+            </a:ext>
+          </a:extLst>
+        </p:spPr>
+        <p:style>
+          <a:lnRef idx="2">
+            <a:schemeClr val="accent1">
+              <a:shade val="50000"/>
+            </a:schemeClr>
+          </a:lnRef>
+          <a:fillRef idx="1">
+            <a:schemeClr val="accent1"/>
+          </a:fillRef>
+          <a:effectRef idx="0">
+            <a:schemeClr val="accent1"/>
+          </a:effectRef>
+          <a:fontRef idx="minor">
+            <a:schemeClr val="lt1"/>
+          </a:fontRef>
+        </p:style>
+        <p:txBody>
+          <a:bodyPr rtlCol="0" anchor="ctr"/>
+          <a:p>
+            <a:pPr algn="ctr"/>
+            <a:r>
+              <a:rPr lang="en-US" altLang="zh-CN" sz="1400" b="1">
+                <a:solidFill>
+                  <a:srgbClr val="00B050"/>
+                </a:solidFill>
+                <a:latin typeface="宋体" panose="02010600030101010101" pitchFamily="2" charset="-122"/>
+                <a:ea typeface="宋体" panose="02010600030101010101" pitchFamily="2" charset="-122"/>
+                <a:cs typeface="宋体" panose="02010600030101010101" pitchFamily="2" charset="-122"/>
+              </a:rPr>
+              <a:t>elasticsearch</a:t>
+            </a:r>
+            <a:endParaRPr lang="en-US" altLang="zh-CN" sz="1400" b="1">
+              <a:solidFill>
+                <a:srgbClr val="00B050"/>
+              </a:solidFill>
+              <a:latin typeface="宋体" panose="02010600030101010101" pitchFamily="2" charset="-122"/>
+              <a:ea typeface="宋体" panose="02010600030101010101" pitchFamily="2" charset="-122"/>
+              <a:cs typeface="宋体" panose="02010600030101010101" pitchFamily="2" charset="-122"/>
+            </a:endParaRPr>
+          </a:p>
+        </p:txBody>
+      </p:sp>
+      <p:sp>
+        <p:nvSpPr>
+          <p:cNvPr id="84" name="矩形 83"/>
+          <p:cNvSpPr/>
+          <p:nvPr/>
+        </p:nvSpPr>
+        <p:spPr>
+          <a:xfrm>
+            <a:off x="7529195" y="6101080"/>
+            <a:ext cx="956945" cy="364490"/>
+          </a:xfrm>
+          <a:prstGeom prst="rect">
+            <a:avLst/>
+          </a:prstGeom>
+          <a:noFill/>
+          <a:ln w="28575">
+            <a:solidFill>
+              <a:srgbClr val="55D9FF"/>
+            </a:solidFill>
+          </a:ln>
+          <a:extLst>
+            <a:ext uri="{909E8E84-426E-40DD-AFC4-6F175D3DCCD1}">
+              <a14:hiddenFill xmlns:a14="http://schemas.microsoft.com/office/drawing/2010/main">
+                <a:solidFill>
+                  <a:schemeClr val="accent1"/>
+                </a:solidFill>
+              </a14:hiddenFill>
+            </a:ext>
+          </a:extLst>
+        </p:spPr>
+        <p:style>
+          <a:lnRef idx="2">
+            <a:schemeClr val="accent1">
+              <a:shade val="50000"/>
+            </a:schemeClr>
+          </a:lnRef>
+          <a:fillRef idx="1">
+            <a:schemeClr val="accent1"/>
+          </a:fillRef>
+          <a:effectRef idx="0">
+            <a:schemeClr val="accent1"/>
+          </a:effectRef>
+          <a:fontRef idx="minor">
+            <a:schemeClr val="lt1"/>
+          </a:fontRef>
+        </p:style>
+        <p:txBody>
+          <a:bodyPr rtlCol="0" anchor="ctr"/>
+          <a:p>
+            <a:pPr algn="ctr"/>
+            <a:r>
+              <a:rPr lang="en-US" altLang="zh-CN" sz="1400" b="1">
+                <a:solidFill>
+                  <a:srgbClr val="00B050"/>
+                </a:solidFill>
+                <a:latin typeface="宋体" panose="02010600030101010101" pitchFamily="2" charset="-122"/>
+                <a:ea typeface="宋体" panose="02010600030101010101" pitchFamily="2" charset="-122"/>
+                <a:cs typeface="宋体" panose="02010600030101010101" pitchFamily="2" charset="-122"/>
+              </a:rPr>
+              <a:t>docker</a:t>
+            </a:r>
+            <a:endParaRPr lang="en-US" altLang="zh-CN" sz="1400" b="1">
+              <a:solidFill>
+                <a:srgbClr val="00B050"/>
+              </a:solidFill>
+              <a:latin typeface="宋体" panose="02010600030101010101" pitchFamily="2" charset="-122"/>
+              <a:ea typeface="宋体" panose="02010600030101010101" pitchFamily="2" charset="-122"/>
+              <a:cs typeface="宋体" panose="02010600030101010101" pitchFamily="2" charset="-122"/>
+            </a:endParaRPr>
+          </a:p>
+        </p:txBody>
+      </p:sp>
+      <p:sp>
+        <p:nvSpPr>
+          <p:cNvPr id="85" name="矩形 84"/>
+          <p:cNvSpPr/>
+          <p:nvPr/>
+        </p:nvSpPr>
+        <p:spPr>
+          <a:xfrm>
+            <a:off x="8729345" y="6101080"/>
+            <a:ext cx="1320800" cy="364490"/>
+          </a:xfrm>
+          <a:prstGeom prst="rect">
+            <a:avLst/>
+          </a:prstGeom>
+          <a:noFill/>
+          <a:ln w="28575">
+            <a:solidFill>
+              <a:srgbClr val="55D9FF"/>
+            </a:solidFill>
+          </a:ln>
+          <a:extLst>
+            <a:ext uri="{909E8E84-426E-40DD-AFC4-6F175D3DCCD1}">
+              <a14:hiddenFill xmlns:a14="http://schemas.microsoft.com/office/drawing/2010/main">
+                <a:solidFill>
+                  <a:schemeClr val="accent1"/>
+                </a:solidFill>
+              </a14:hiddenFill>
+            </a:ext>
+          </a:extLst>
+        </p:spPr>
+        <p:style>
+          <a:lnRef idx="2">
+            <a:schemeClr val="accent1">
+              <a:shade val="50000"/>
+            </a:schemeClr>
+          </a:lnRef>
+          <a:fillRef idx="1">
+            <a:schemeClr val="accent1"/>
+          </a:fillRef>
+          <a:effectRef idx="0">
+            <a:schemeClr val="accent1"/>
+          </a:effectRef>
+          <a:fontRef idx="minor">
+            <a:schemeClr val="lt1"/>
+          </a:fontRef>
+        </p:style>
+        <p:txBody>
+          <a:bodyPr rtlCol="0" anchor="ctr"/>
+          <a:p>
+            <a:pPr algn="ctr"/>
+            <a:r>
+              <a:rPr lang="zh-CN" altLang="en-US" sz="1400" b="1">
+                <a:solidFill>
+                  <a:srgbClr val="00B050"/>
+                </a:solidFill>
+                <a:latin typeface="宋体" panose="02010600030101010101" pitchFamily="2" charset="-122"/>
+                <a:ea typeface="宋体" panose="02010600030101010101" pitchFamily="2" charset="-122"/>
+                <a:cs typeface="宋体" panose="02010600030101010101" pitchFamily="2" charset="-122"/>
+              </a:rPr>
+              <a:t>移动端开发</a:t>
+            </a:r>
+            <a:endParaRPr lang="zh-CN" altLang="en-US" sz="1400" b="1">
+              <a:solidFill>
+                <a:srgbClr val="00B050"/>
+              </a:solidFill>
+              <a:latin typeface="宋体" panose="02010600030101010101" pitchFamily="2" charset="-122"/>
+              <a:ea typeface="宋体" panose="02010600030101010101" pitchFamily="2" charset="-122"/>
+              <a:cs typeface="宋体" panose="02010600030101010101" pitchFamily="2" charset="-122"/>
+            </a:endParaRPr>
+          </a:p>
+        </p:txBody>
+      </p:sp>
+      <p:sp>
+        <p:nvSpPr>
+          <p:cNvPr id="87" name="文本框 86"/>
+          <p:cNvSpPr txBox="1"/>
+          <p:nvPr/>
+        </p:nvSpPr>
+        <p:spPr>
+          <a:xfrm>
+            <a:off x="503555" y="6097270"/>
+            <a:ext cx="746760" cy="368300"/>
+          </a:xfrm>
+          <a:prstGeom prst="rect">
+            <a:avLst/>
+          </a:prstGeom>
+          <a:noFill/>
+        </p:spPr>
+        <p:txBody>
+          <a:bodyPr wrap="square" rtlCol="0">
+            <a:spAutoFit/>
+          </a:bodyPr>
+          <a:p>
+            <a:r>
+              <a:rPr lang="zh-CN" altLang="en-US" b="1">
+                <a:solidFill>
+                  <a:srgbClr val="FF0000"/>
+                </a:solidFill>
+              </a:rPr>
+              <a:t>福利</a:t>
+            </a:r>
+            <a:endParaRPr lang="zh-CN" altLang="en-US" b="1">
+              <a:solidFill>
+                <a:srgbClr val="FF0000"/>
+              </a:solidFill>
+            </a:endParaRPr>
+          </a:p>
+        </p:txBody>
+      </p:sp>
+      <p:sp>
+        <p:nvSpPr>
+          <p:cNvPr id="88" name="矩形 87"/>
+          <p:cNvSpPr/>
+          <p:nvPr/>
+        </p:nvSpPr>
+        <p:spPr>
+          <a:xfrm>
+            <a:off x="10259060" y="6101080"/>
+            <a:ext cx="1412240" cy="364490"/>
+          </a:xfrm>
+          <a:prstGeom prst="rect">
+            <a:avLst/>
+          </a:prstGeom>
+          <a:noFill/>
+          <a:ln w="28575">
+            <a:solidFill>
+              <a:srgbClr val="55D9FF"/>
+            </a:solidFill>
+          </a:ln>
+          <a:extLst>
+            <a:ext uri="{909E8E84-426E-40DD-AFC4-6F175D3DCCD1}">
+              <a14:hiddenFill xmlns:a14="http://schemas.microsoft.com/office/drawing/2010/main">
+                <a:solidFill>
+                  <a:schemeClr val="accent1"/>
+                </a:solidFill>
+              </a14:hiddenFill>
+            </a:ext>
+          </a:extLst>
+        </p:spPr>
+        <p:style>
+          <a:lnRef idx="2">
+            <a:schemeClr val="accent1">
+              <a:shade val="50000"/>
+            </a:schemeClr>
+          </a:lnRef>
+          <a:fillRef idx="1">
+            <a:schemeClr val="accent1"/>
+          </a:fillRef>
+          <a:effectRef idx="0">
+            <a:schemeClr val="accent1"/>
+          </a:effectRef>
+          <a:fontRef idx="minor">
+            <a:schemeClr val="lt1"/>
+          </a:fontRef>
+        </p:style>
+        <p:txBody>
+          <a:bodyPr rtlCol="0" anchor="ctr"/>
+          <a:p>
+            <a:pPr algn="ctr"/>
+            <a:r>
+              <a:rPr lang="zh-CN" altLang="en-US" sz="1400" b="1">
+                <a:solidFill>
+                  <a:srgbClr val="00B050"/>
+                </a:solidFill>
+                <a:latin typeface="宋体" panose="02010600030101010101" pitchFamily="2" charset="-122"/>
+                <a:ea typeface="宋体" panose="02010600030101010101" pitchFamily="2" charset="-122"/>
+                <a:cs typeface="宋体" panose="02010600030101010101" pitchFamily="2" charset="-122"/>
+              </a:rPr>
+              <a:t>持续更新</a:t>
+            </a:r>
+            <a:r>
+              <a:rPr lang="en-US" altLang="zh-CN" sz="1400" b="1">
+                <a:solidFill>
+                  <a:srgbClr val="00B050"/>
+                </a:solidFill>
+                <a:latin typeface="宋体" panose="02010600030101010101" pitchFamily="2" charset="-122"/>
+                <a:ea typeface="宋体" panose="02010600030101010101" pitchFamily="2" charset="-122"/>
+                <a:cs typeface="宋体" panose="02010600030101010101" pitchFamily="2" charset="-122"/>
+              </a:rPr>
+              <a:t>...</a:t>
+            </a:r>
+            <a:endParaRPr lang="en-US" altLang="zh-CN" sz="1400" b="1">
+              <a:solidFill>
+                <a:srgbClr val="00B050"/>
+              </a:solidFill>
+              <a:latin typeface="宋体" panose="02010600030101010101" pitchFamily="2" charset="-122"/>
+              <a:ea typeface="宋体" panose="02010600030101010101" pitchFamily="2" charset="-122"/>
+              <a:cs typeface="宋体" panose="02010600030101010101" pitchFamily="2" charset="-122"/>
+            </a:endParaRPr>
+          </a:p>
+        </p:txBody>
+      </p:sp>
     </p:spTree>
     <p:custDataLst>
       <p:tags r:id="rId2"/>
@@ -6367,6 +9940,129 @@
 </file>
 
 <file path=ppt/slides/slide3.xml><?xml version="1.0" encoding="utf-8"?>
+<p:sld xmlns:a="http://schemas.openxmlformats.org/drawingml/2006/main" xmlns:r="http://schemas.openxmlformats.org/officeDocument/2006/relationships" xmlns:p="http://schemas.openxmlformats.org/presentationml/2006/main">
+  <p:cSld>
+    <p:bg>
+      <p:bgPr>
+        <a:blipFill rotWithShape="1">
+          <a:blip r:embed="rId1"/>
+          <a:stretch>
+            <a:fillRect/>
+          </a:stretch>
+        </a:blipFill>
+        <a:effectLst/>
+      </p:bgPr>
+    </p:bg>
+    <p:spTree>
+      <p:nvGrpSpPr>
+        <p:cNvPr id="1" name=""/>
+        <p:cNvGrpSpPr/>
+        <p:nvPr/>
+      </p:nvGrpSpPr>
+      <p:grpSpPr/>
+      <p:sp>
+        <p:nvSpPr>
+          <p:cNvPr id="7" name="文本框 6"/>
+          <p:cNvSpPr txBox="1"/>
+          <p:nvPr/>
+        </p:nvSpPr>
+        <p:spPr>
+          <a:xfrm>
+            <a:off x="339090" y="909955"/>
+            <a:ext cx="11520805" cy="829945"/>
+          </a:xfrm>
+          <a:prstGeom prst="rect">
+            <a:avLst/>
+          </a:prstGeom>
+          <a:noFill/>
+        </p:spPr>
+        <p:txBody>
+          <a:bodyPr wrap="square" rtlCol="0">
+            <a:spAutoFit/>
+          </a:bodyPr>
+          <a:p>
+            <a:r>
+              <a:rPr lang="zh-CN" altLang="en-US" sz="1600">
+                <a:latin typeface="宋体" panose="02010600030101010101" pitchFamily="2" charset="-122"/>
+                <a:ea typeface="宋体" panose="02010600030101010101" pitchFamily="2" charset="-122"/>
+                <a:cs typeface="宋体" panose="02010600030101010101" pitchFamily="2" charset="-122"/>
+              </a:rPr>
+              <a:t>链知网官网：</a:t>
+            </a:r>
+            <a:r>
+              <a:rPr lang="en-US" altLang="zh-CN" sz="1600">
+                <a:latin typeface="宋体" panose="02010600030101010101" pitchFamily="2" charset="-122"/>
+                <a:ea typeface="宋体" panose="02010600030101010101" pitchFamily="2" charset="-122"/>
+                <a:cs typeface="宋体" panose="02010600030101010101" pitchFamily="2" charset="-122"/>
+              </a:rPr>
+              <a:t>www.linkknown.com</a:t>
+            </a:r>
+            <a:endParaRPr lang="en-US" altLang="zh-CN" sz="1600">
+              <a:latin typeface="宋体" panose="02010600030101010101" pitchFamily="2" charset="-122"/>
+              <a:ea typeface="宋体" panose="02010600030101010101" pitchFamily="2" charset="-122"/>
+              <a:cs typeface="宋体" panose="02010600030101010101" pitchFamily="2" charset="-122"/>
+            </a:endParaRPr>
+          </a:p>
+          <a:p>
+            <a:endParaRPr lang="en-US" altLang="zh-CN" sz="1600">
+              <a:latin typeface="宋体" panose="02010600030101010101" pitchFamily="2" charset="-122"/>
+              <a:ea typeface="宋体" panose="02010600030101010101" pitchFamily="2" charset="-122"/>
+              <a:cs typeface="宋体" panose="02010600030101010101" pitchFamily="2" charset="-122"/>
+            </a:endParaRPr>
+          </a:p>
+          <a:p>
+            <a:r>
+              <a:rPr lang="zh-CN" altLang="en-US" sz="1600">
+                <a:latin typeface="宋体" panose="02010600030101010101" pitchFamily="2" charset="-122"/>
+                <a:ea typeface="宋体" panose="02010600030101010101" pitchFamily="2" charset="-122"/>
+                <a:cs typeface="宋体" panose="02010600030101010101" pitchFamily="2" charset="-122"/>
+              </a:rPr>
+              <a:t>扫码下面二维码下载 </a:t>
+            </a:r>
+            <a:r>
+              <a:rPr lang="en-US" altLang="zh-CN" sz="1600">
+                <a:latin typeface="宋体" panose="02010600030101010101" pitchFamily="2" charset="-122"/>
+                <a:ea typeface="宋体" panose="02010600030101010101" pitchFamily="2" charset="-122"/>
+                <a:cs typeface="宋体" panose="02010600030101010101" pitchFamily="2" charset="-122"/>
+              </a:rPr>
+              <a:t>“ </a:t>
+            </a:r>
+            <a:r>
+              <a:rPr lang="zh-CN" altLang="en-US" sz="1600">
+                <a:latin typeface="宋体" panose="02010600030101010101" pitchFamily="2" charset="-122"/>
+                <a:ea typeface="宋体" panose="02010600030101010101" pitchFamily="2" charset="-122"/>
+                <a:cs typeface="宋体" panose="02010600030101010101" pitchFamily="2" charset="-122"/>
+              </a:rPr>
+              <a:t>链知 </a:t>
+            </a:r>
+            <a:r>
+              <a:rPr lang="en-US" altLang="zh-CN" sz="1600">
+                <a:latin typeface="宋体" panose="02010600030101010101" pitchFamily="2" charset="-122"/>
+                <a:ea typeface="宋体" panose="02010600030101010101" pitchFamily="2" charset="-122"/>
+                <a:cs typeface="宋体" panose="02010600030101010101" pitchFamily="2" charset="-122"/>
+              </a:rPr>
+              <a:t>APP ”</a:t>
+            </a:r>
+            <a:endParaRPr lang="zh-CN" altLang="en-US" sz="1600">
+              <a:latin typeface="宋体" panose="02010600030101010101" pitchFamily="2" charset="-122"/>
+              <a:ea typeface="宋体" panose="02010600030101010101" pitchFamily="2" charset="-122"/>
+              <a:cs typeface="宋体" panose="02010600030101010101" pitchFamily="2" charset="-122"/>
+            </a:endParaRPr>
+          </a:p>
+        </p:txBody>
+      </p:sp>
+    </p:spTree>
+    <p:custDataLst>
+      <p:tags r:id="rId2"/>
+    </p:custDataLst>
+  </p:cSld>
+  <p:clrMapOvr>
+    <a:masterClrMapping/>
+  </p:clrMapOvr>
+</p:sld>
+</file>
+
+<file path=ppt/slides/slide4.xml><?xml version="1.0" encoding="utf-8"?>
 <p:sld xmlns:a="http://schemas.openxmlformats.org/drawingml/2006/main" xmlns:r="http://schemas.openxmlformats.org/officeDocument/2006/relationships" xmlns:p="http://schemas.openxmlformats.org/presentationml/2006/main">
   <p:cSld>
     <p:bg>
@@ -7435,6 +11131,15 @@
 </p:tagLst>
 </file>
 
+<file path=ppt/tags/tag81.xml><?xml version="1.0" encoding="utf-8"?>
+<p:tagLst xmlns:p="http://schemas.openxmlformats.org/presentationml/2006/main">
+  <p:tag name="KSO_WM_BEAUTIFY_FLAG" val="#wm#"/>
+  <p:tag name="KSO_WM_TEMPLATE_CATEGORY" val="custom"/>
+  <p:tag name="KSO_WM_TEMPLATE_INDEX" val="20203858"/>
+  <p:tag name="KSO_WM_SPECIAL_SOURCE" val="bdnull"/>
+</p:tagLst>
+</file>
+
 <file path=ppt/tags/tag9.xml><?xml version="1.0" encoding="utf-8"?>
 <p:tagLst xmlns:p="http://schemas.openxmlformats.org/presentationml/2006/main">
   <p:tag name="KSO_WM_UNIT_HIGHLIGHT" val="0"/>

--- a/基础PPT/Java教学线路图.pptx
+++ b/基础PPT/Java教学线路图.pptx
@@ -6446,9 +6446,9 @@
           <p:nvPr/>
         </p:nvCxnSpPr>
         <p:spPr>
-          <a:xfrm>
-            <a:off x="1550670" y="819150"/>
-            <a:ext cx="8890" cy="5828665"/>
+          <a:xfrm flipH="1">
+            <a:off x="1543685" y="712470"/>
+            <a:ext cx="6985" cy="5962650"/>
           </a:xfrm>
           <a:prstGeom prst="line">
             <a:avLst/>
@@ -9600,7 +9600,7 @@
         </p:nvSpPr>
         <p:spPr>
           <a:xfrm>
-            <a:off x="5861050" y="6101080"/>
+            <a:off x="5763260" y="6101080"/>
             <a:ext cx="1365250" cy="364490"/>
           </a:xfrm>
           <a:prstGeom prst="rect">
@@ -9672,7 +9672,7 @@
         </p:nvSpPr>
         <p:spPr>
           <a:xfrm>
-            <a:off x="7529195" y="6101080"/>
+            <a:off x="7386955" y="6101080"/>
             <a:ext cx="956945" cy="364490"/>
           </a:xfrm>
           <a:prstGeom prst="rect">
@@ -9744,7 +9744,7 @@
         </p:nvSpPr>
         <p:spPr>
           <a:xfrm>
-            <a:off x="8729345" y="6101080"/>
+            <a:off x="8595995" y="6101080"/>
             <a:ext cx="1320800" cy="364490"/>
           </a:xfrm>
           <a:prstGeom prst="rect">
@@ -9853,8 +9853,8 @@
         </p:nvSpPr>
         <p:spPr>
           <a:xfrm>
-            <a:off x="10259060" y="6101080"/>
-            <a:ext cx="1412240" cy="364490"/>
+            <a:off x="10141585" y="6101080"/>
+            <a:ext cx="1821180" cy="364490"/>
           </a:xfrm>
           <a:prstGeom prst="rect">
             <a:avLst/>
@@ -9904,7 +9904,29 @@
                 <a:ea typeface="宋体" panose="02010600030101010101" pitchFamily="2" charset="-122"/>
                 <a:cs typeface="宋体" panose="02010600030101010101" pitchFamily="2" charset="-122"/>
               </a:rPr>
-              <a:t>持续更新</a:t>
+              <a:t>持续更新（</a:t>
+            </a:r>
+            <a:r>
+              <a:rPr lang="en-US" altLang="zh-CN" sz="1400" b="1">
+                <a:solidFill>
+                  <a:srgbClr val="00B050"/>
+                </a:solidFill>
+                <a:latin typeface="宋体" panose="02010600030101010101" pitchFamily="2" charset="-122"/>
+                <a:ea typeface="宋体" panose="02010600030101010101" pitchFamily="2" charset="-122"/>
+                <a:cs typeface="宋体" panose="02010600030101010101" pitchFamily="2" charset="-122"/>
+              </a:rPr>
+              <a:t>APP</a:t>
+            </a:r>
+            <a:r>
+              <a:rPr lang="zh-CN" altLang="en-US" sz="1400" b="1">
+                <a:solidFill>
+                  <a:srgbClr val="00B050"/>
+                </a:solidFill>
+                <a:latin typeface="宋体" panose="02010600030101010101" pitchFamily="2" charset="-122"/>
+                <a:ea typeface="宋体" panose="02010600030101010101" pitchFamily="2" charset="-122"/>
+                <a:cs typeface="宋体" panose="02010600030101010101" pitchFamily="2" charset="-122"/>
+              </a:rPr>
+              <a:t>）</a:t>
             </a:r>
             <a:r>
               <a:rPr lang="en-US" altLang="zh-CN" sz="1400" b="1">
@@ -9918,6 +9940,150 @@
               <a:t>...</a:t>
             </a:r>
             <a:endParaRPr lang="en-US" altLang="zh-CN" sz="1400" b="1">
+              <a:solidFill>
+                <a:srgbClr val="00B050"/>
+              </a:solidFill>
+              <a:latin typeface="宋体" panose="02010600030101010101" pitchFamily="2" charset="-122"/>
+              <a:ea typeface="宋体" panose="02010600030101010101" pitchFamily="2" charset="-122"/>
+              <a:cs typeface="宋体" panose="02010600030101010101" pitchFamily="2" charset="-122"/>
+            </a:endParaRPr>
+          </a:p>
+        </p:txBody>
+      </p:sp>
+      <p:sp>
+        <p:nvSpPr>
+          <p:cNvPr id="7" name="矩形 6"/>
+          <p:cNvSpPr/>
+          <p:nvPr/>
+        </p:nvSpPr>
+        <p:spPr>
+          <a:xfrm>
+            <a:off x="3443605" y="5306060"/>
+            <a:ext cx="1125855" cy="364490"/>
+          </a:xfrm>
+          <a:prstGeom prst="rect">
+            <a:avLst/>
+          </a:prstGeom>
+          <a:noFill/>
+          <a:ln w="28575">
+            <a:solidFill>
+              <a:srgbClr val="55D9FF"/>
+            </a:solidFill>
+          </a:ln>
+          <a:extLst>
+            <a:ext uri="{909E8E84-426E-40DD-AFC4-6F175D3DCCD1}">
+              <a14:hiddenFill xmlns:a14="http://schemas.microsoft.com/office/drawing/2010/main">
+                <a:solidFill>
+                  <a:schemeClr val="accent1"/>
+                </a:solidFill>
+              </a14:hiddenFill>
+            </a:ext>
+          </a:extLst>
+        </p:spPr>
+        <p:style>
+          <a:lnRef idx="2">
+            <a:schemeClr val="accent1">
+              <a:shade val="50000"/>
+            </a:schemeClr>
+          </a:lnRef>
+          <a:fillRef idx="1">
+            <a:schemeClr val="accent1"/>
+          </a:fillRef>
+          <a:effectRef idx="0">
+            <a:schemeClr val="accent1"/>
+          </a:effectRef>
+          <a:fontRef idx="minor">
+            <a:schemeClr val="lt1"/>
+          </a:fontRef>
+        </p:style>
+        <p:txBody>
+          <a:bodyPr rtlCol="0" anchor="ctr"/>
+          <a:p>
+            <a:pPr algn="ctr"/>
+            <a:r>
+              <a:rPr lang="en-US" altLang="zh-CN" sz="1400" b="1">
+                <a:solidFill>
+                  <a:srgbClr val="00B050"/>
+                </a:solidFill>
+                <a:latin typeface="宋体" panose="02010600030101010101" pitchFamily="2" charset="-122"/>
+                <a:ea typeface="宋体" panose="02010600030101010101" pitchFamily="2" charset="-122"/>
+                <a:cs typeface="宋体" panose="02010600030101010101" pitchFamily="2" charset="-122"/>
+              </a:rPr>
+              <a:t>Linux运维</a:t>
+            </a:r>
+            <a:endParaRPr lang="en-US" altLang="zh-CN" sz="1400" b="1">
+              <a:solidFill>
+                <a:srgbClr val="00B050"/>
+              </a:solidFill>
+              <a:latin typeface="宋体" panose="02010600030101010101" pitchFamily="2" charset="-122"/>
+              <a:ea typeface="宋体" panose="02010600030101010101" pitchFamily="2" charset="-122"/>
+              <a:cs typeface="宋体" panose="02010600030101010101" pitchFamily="2" charset="-122"/>
+            </a:endParaRPr>
+          </a:p>
+        </p:txBody>
+      </p:sp>
+      <p:sp>
+        <p:nvSpPr>
+          <p:cNvPr id="9" name="矩形 8"/>
+          <p:cNvSpPr/>
+          <p:nvPr/>
+        </p:nvSpPr>
+        <p:spPr>
+          <a:xfrm>
+            <a:off x="4569460" y="1991360"/>
+            <a:ext cx="956945" cy="364490"/>
+          </a:xfrm>
+          <a:prstGeom prst="rect">
+            <a:avLst/>
+          </a:prstGeom>
+          <a:noFill/>
+          <a:ln w="28575">
+            <a:solidFill>
+              <a:srgbClr val="55D9FF"/>
+            </a:solidFill>
+          </a:ln>
+          <a:extLst>
+            <a:ext uri="{909E8E84-426E-40DD-AFC4-6F175D3DCCD1}">
+              <a14:hiddenFill xmlns:a14="http://schemas.microsoft.com/office/drawing/2010/main">
+                <a:solidFill>
+                  <a:schemeClr val="accent1"/>
+                </a:solidFill>
+              </a14:hiddenFill>
+            </a:ext>
+          </a:extLst>
+        </p:spPr>
+        <p:style>
+          <a:lnRef idx="2">
+            <a:schemeClr val="accent1">
+              <a:shade val="50000"/>
+            </a:schemeClr>
+          </a:lnRef>
+          <a:fillRef idx="1">
+            <a:schemeClr val="accent1"/>
+          </a:fillRef>
+          <a:effectRef idx="0">
+            <a:schemeClr val="accent1"/>
+          </a:effectRef>
+          <a:fontRef idx="minor">
+            <a:schemeClr val="lt1"/>
+          </a:fontRef>
+        </p:style>
+        <p:txBody>
+          <a:bodyPr rtlCol="0" anchor="ctr"/>
+          <a:p>
+            <a:pPr algn="ctr"/>
+            <a:r>
+              <a:rPr lang="zh-CN" altLang="en-US" sz="1400" b="1">
+                <a:solidFill>
+                  <a:srgbClr val="00B050"/>
+                </a:solidFill>
+                <a:latin typeface="宋体" panose="02010600030101010101" pitchFamily="2" charset="-122"/>
+                <a:ea typeface="宋体" panose="02010600030101010101" pitchFamily="2" charset="-122"/>
+                <a:cs typeface="宋体" panose="02010600030101010101" pitchFamily="2" charset="-122"/>
+              </a:rPr>
+              <a:t>设计模式</a:t>
+            </a:r>
+            <a:endParaRPr lang="zh-CN" altLang="en-US" sz="1400" b="1">
               <a:solidFill>
                 <a:srgbClr val="00B050"/>
               </a:solidFill>
